--- a/授業資料/講義資料：アクセス指定子とカプセル化.pptx
+++ b/授業資料/講義資料：アクセス指定子とカプセル化.pptx
@@ -7498,7 +7498,7 @@
         </p:spPr>
         <p:txBody>
           <a:bodyPr>
-            <a:normAutofit/>
+            <a:normAutofit fontScale="92500" lnSpcReduction="10000"/>
           </a:bodyPr>
           <a:lstStyle/>
           <a:p>
@@ -7526,10 +7526,7 @@
               <a:rPr kumimoji="1" lang="ja-JP" altLang="en-US" dirty="0"/>
               <a:t>のカプセル化</a:t>
             </a:r>
-            <a:br>
-              <a:rPr kumimoji="1" lang="en-US" altLang="ja-JP" dirty="0"/>
-            </a:br>
-            <a:endParaRPr kumimoji="1" lang="en-US" altLang="ja-JP" dirty="0"/>
+            <a:endParaRPr kumimoji="1" lang="en-US" altLang="ja-JP" sz="3500" dirty="0"/>
           </a:p>
           <a:p>
             <a:pPr marL="742950" indent="-742950">
@@ -7537,60 +7534,45 @@
               <a:buAutoNum type="circleNumDbPlain"/>
             </a:pPr>
             <a:r>
-              <a:rPr kumimoji="1" lang="en-US" altLang="ja-JP" dirty="0" err="1"/>
+              <a:rPr kumimoji="1" lang="en-US" altLang="ja-JP" sz="3500" dirty="0" err="1"/>
               <a:t>car.h</a:t>
             </a:r>
             <a:r>
-              <a:rPr kumimoji="1" lang="ja-JP" altLang="en-US" dirty="0"/>
+              <a:rPr kumimoji="1" lang="ja-JP" altLang="en-US" sz="3500" dirty="0"/>
               <a:t> </a:t>
             </a:r>
             <a:r>
-              <a:rPr lang="ja-JP" altLang="en-US" dirty="0"/>
+              <a:rPr lang="ja-JP" altLang="en-US" sz="3500" dirty="0"/>
               <a:t>内に</a:t>
             </a:r>
             <a:r>
-              <a:rPr lang="en-US" altLang="ja-JP" dirty="0"/>
+              <a:rPr lang="en-US" altLang="ja-JP" sz="3500" dirty="0"/>
               <a:t>public</a:t>
             </a:r>
             <a:r>
-              <a:rPr lang="ja-JP" altLang="en-US" dirty="0"/>
+              <a:rPr lang="ja-JP" altLang="en-US" sz="3500" dirty="0"/>
               <a:t>な</a:t>
             </a:r>
             <a:r>
-              <a:rPr kumimoji="1" lang="ja-JP" altLang="en-US" dirty="0"/>
+              <a:rPr kumimoji="1" lang="ja-JP" altLang="en-US" sz="3500" dirty="0"/>
               <a:t>セッター（</a:t>
             </a:r>
             <a:r>
-              <a:rPr kumimoji="1" lang="en-US" altLang="ja-JP" dirty="0" err="1"/>
+              <a:rPr kumimoji="1" lang="en-US" altLang="ja-JP" sz="3500" dirty="0" err="1">
+                <a:solidFill>
+                  <a:srgbClr val="FF0000"/>
+                </a:solidFill>
+              </a:rPr>
               <a:t>setSpeed</a:t>
             </a:r>
             <a:r>
-              <a:rPr kumimoji="1" lang="ja-JP" altLang="en-US" dirty="0"/>
-              <a:t>）を</a:t>
-            </a:r>
-            <a:br>
-              <a:rPr kumimoji="1" lang="en-US" altLang="ja-JP" dirty="0"/>
-            </a:br>
-            <a:r>
-              <a:rPr kumimoji="1" lang="ja-JP" altLang="en-US" dirty="0"/>
-              <a:t>定義して、</a:t>
-            </a:r>
-            <a:r>
-              <a:rPr kumimoji="1" lang="en-US" altLang="ja-JP" dirty="0" err="1"/>
-              <a:t>m_speed</a:t>
-            </a:r>
-            <a:r>
-              <a:rPr kumimoji="1" lang="en-US" altLang="ja-JP" dirty="0"/>
-              <a:t> </a:t>
-            </a:r>
-            <a:r>
-              <a:rPr kumimoji="1" lang="ja-JP" altLang="en-US" dirty="0"/>
-              <a:t>に値を代入できるようにする</a:t>
-            </a:r>
-            <a:br>
-              <a:rPr kumimoji="1" lang="en-US" altLang="ja-JP" dirty="0"/>
-            </a:br>
-            <a:endParaRPr kumimoji="1" lang="en-US" altLang="ja-JP" dirty="0"/>
+              <a:rPr kumimoji="1" lang="ja-JP" altLang="en-US" sz="3500" dirty="0"/>
+              <a:t>）を定義する</a:t>
+            </a:r>
+            <a:br>
+              <a:rPr kumimoji="1" lang="en-US" altLang="ja-JP" sz="3500" dirty="0"/>
+            </a:br>
+            <a:endParaRPr kumimoji="1" lang="en-US" altLang="ja-JP" sz="3500" dirty="0"/>
           </a:p>
           <a:p>
             <a:pPr marL="742950" indent="-742950">
@@ -7598,17 +7580,52 @@
               <a:buAutoNum type="circleNumDbPlain"/>
             </a:pPr>
             <a:r>
-              <a:rPr kumimoji="1" lang="en-US" altLang="ja-JP" dirty="0"/>
-              <a:t>car.cpp </a:t>
-            </a:r>
-            <a:r>
-              <a:rPr kumimoji="1" lang="ja-JP" altLang="en-US" dirty="0"/>
-              <a:t>にセッターの処理を追加する</a:t>
-            </a:r>
-            <a:br>
-              <a:rPr kumimoji="1" lang="en-US" altLang="ja-JP" dirty="0"/>
-            </a:br>
-            <a:endParaRPr kumimoji="1" lang="en-US" altLang="ja-JP" dirty="0"/>
+              <a:rPr kumimoji="1" lang="en-US" altLang="ja-JP" sz="3500" dirty="0"/>
+              <a:t>public</a:t>
+            </a:r>
+            <a:r>
+              <a:rPr kumimoji="1" lang="ja-JP" altLang="en-US" sz="3500" dirty="0"/>
+              <a:t>な</a:t>
+            </a:r>
+            <a:r>
+              <a:rPr kumimoji="1" lang="en-US" altLang="ja-JP" sz="3500" dirty="0">
+                <a:solidFill>
+                  <a:srgbClr val="00B0F0"/>
+                </a:solidFill>
+              </a:rPr>
+              <a:t>speed</a:t>
+            </a:r>
+            <a:r>
+              <a:rPr kumimoji="1" lang="ja-JP" altLang="en-US" sz="3500" dirty="0"/>
+              <a:t>を</a:t>
+            </a:r>
+            <a:r>
+              <a:rPr kumimoji="1" lang="en-US" altLang="ja-JP" sz="3500" dirty="0"/>
+              <a:t>private</a:t>
+            </a:r>
+            <a:r>
+              <a:rPr kumimoji="1" lang="ja-JP" altLang="en-US" sz="3500" dirty="0"/>
+              <a:t>に移動し、変数名を</a:t>
+            </a:r>
+            <a:br>
+              <a:rPr kumimoji="1" lang="en-US" altLang="ja-JP" sz="3500" dirty="0"/>
+            </a:br>
+            <a:r>
+              <a:rPr kumimoji="1" lang="en-US" altLang="ja-JP" sz="3500" dirty="0" err="1">
+                <a:solidFill>
+                  <a:srgbClr val="00B0F0"/>
+                </a:solidFill>
+              </a:rPr>
+              <a:t>m_speed</a:t>
+            </a:r>
+            <a:r>
+              <a:rPr kumimoji="1" lang="ja-JP" altLang="en-US" sz="3500" dirty="0"/>
+              <a:t>に変更する</a:t>
+            </a:r>
+            <a:br>
+              <a:rPr kumimoji="1" lang="en-US" altLang="ja-JP" sz="3500" dirty="0"/>
+            </a:br>
+            <a:endParaRPr kumimoji="1" lang="en-US" altLang="ja-JP" sz="3500" dirty="0"/>
           </a:p>
           <a:p>
             <a:pPr marL="742950" indent="-742950">
@@ -7616,14 +7633,39 @@
               <a:buAutoNum type="circleNumDbPlain"/>
             </a:pPr>
             <a:r>
-              <a:rPr lang="en-US" altLang="ja-JP" dirty="0"/>
+              <a:rPr kumimoji="1" lang="en-US" altLang="ja-JP" sz="3500" dirty="0"/>
+              <a:t>car.cpp </a:t>
+            </a:r>
+            <a:r>
+              <a:rPr kumimoji="1" lang="ja-JP" altLang="en-US" sz="3500" dirty="0"/>
+              <a:t>にセッターの処理を追加する</a:t>
+            </a:r>
+            <a:br>
+              <a:rPr kumimoji="1" lang="en-US" altLang="ja-JP" sz="3500" dirty="0"/>
+            </a:br>
+            <a:endParaRPr kumimoji="1" lang="en-US" altLang="ja-JP" sz="3500" dirty="0"/>
+          </a:p>
+          <a:p>
+            <a:pPr marL="742950" indent="-742950">
+              <a:buFont typeface="+mj-ea"/>
+              <a:buAutoNum type="circleNumDbPlain"/>
+            </a:pPr>
+            <a:r>
+              <a:rPr lang="en-US" altLang="ja-JP" sz="3500" dirty="0"/>
               <a:t>main.cpp </a:t>
             </a:r>
             <a:r>
-              <a:rPr lang="ja-JP" altLang="en-US" dirty="0"/>
-              <a:t>を変更してセッターを使って値を代入するように書き換える</a:t>
-            </a:r>
-            <a:endParaRPr kumimoji="1" lang="ja-JP" altLang="en-US" dirty="0"/>
+              <a:rPr lang="ja-JP" altLang="en-US" sz="3500" dirty="0"/>
+              <a:t>を変更してセッターを使って値を代入する</a:t>
+            </a:r>
+            <a:br>
+              <a:rPr lang="en-US" altLang="ja-JP" sz="3500" dirty="0"/>
+            </a:br>
+            <a:r>
+              <a:rPr lang="ja-JP" altLang="en-US" sz="3500" dirty="0"/>
+              <a:t>ように書き換える</a:t>
+            </a:r>
+            <a:endParaRPr kumimoji="1" lang="ja-JP" altLang="en-US" sz="3500" dirty="0"/>
           </a:p>
         </p:txBody>
       </p:sp>
@@ -7791,24 +7833,16 @@
           <a:lstStyle/>
           <a:p>
             <a:r>
+              <a:rPr kumimoji="1" lang="en-US" altLang="ja-JP" sz="3200" dirty="0"/>
+              <a:t>#pragma once</a:t>
+            </a:r>
+            <a:r>
+              <a:rPr kumimoji="1" lang="ja-JP" altLang="en-US" sz="3200" dirty="0"/>
+              <a:t>　　　　　　</a:t>
+            </a:r>
+            <a:br>
               <a:rPr kumimoji="1" lang="en-US" altLang="ja-JP" sz="3200" dirty="0">
                 <a:solidFill>
-                  <a:srgbClr val="00B0F0"/>
-                </a:solidFill>
-              </a:rPr>
-              <a:t>#pragma once</a:t>
-            </a:r>
-            <a:r>
-              <a:rPr kumimoji="1" lang="ja-JP" altLang="en-US" sz="3200" dirty="0">
-                <a:solidFill>
-                  <a:srgbClr val="00B0F0"/>
-                </a:solidFill>
-              </a:rPr>
-              <a:t>　　　　　　</a:t>
-            </a:r>
-            <a:br>
-              <a:rPr kumimoji="1" lang="en-US" altLang="ja-JP" sz="3200" dirty="0">
-                <a:solidFill>
                   <a:srgbClr val="00B050"/>
                 </a:solidFill>
               </a:rPr>
@@ -7818,19 +7852,7 @@
           <a:p>
             <a:r>
               <a:rPr kumimoji="1" lang="en-US" altLang="ja-JP" sz="3200" dirty="0"/>
-              <a:t>class </a:t>
-            </a:r>
-            <a:r>
-              <a:rPr kumimoji="1" lang="en-US" altLang="ja-JP" sz="3200" dirty="0">
-                <a:solidFill>
-                  <a:srgbClr val="FF0000"/>
-                </a:solidFill>
-              </a:rPr>
-              <a:t>Car</a:t>
-            </a:r>
-            <a:r>
-              <a:rPr kumimoji="1" lang="en-US" altLang="ja-JP" sz="3200" dirty="0"/>
-              <a:t> {</a:t>
+              <a:t>class Car {</a:t>
             </a:r>
           </a:p>
           <a:p>
@@ -7855,21 +7877,37 @@
               <a:t>　　　　</a:t>
             </a:r>
             <a:r>
-              <a:rPr kumimoji="1" lang="en-US" altLang="ja-JP" sz="3200" dirty="0"/>
+              <a:rPr kumimoji="1" lang="en-US" altLang="ja-JP" sz="3200" dirty="0">
+                <a:solidFill>
+                  <a:srgbClr val="FF0000"/>
+                </a:solidFill>
+              </a:rPr>
               <a:t>void </a:t>
             </a:r>
             <a:r>
-              <a:rPr kumimoji="1" lang="en-US" altLang="ja-JP" sz="3200" dirty="0" err="1"/>
+              <a:rPr kumimoji="1" lang="en-US" altLang="ja-JP" sz="3200" dirty="0" err="1">
+                <a:solidFill>
+                  <a:srgbClr val="FF0000"/>
+                </a:solidFill>
+              </a:rPr>
               <a:t>setSpeed</a:t>
             </a:r>
             <a:r>
-              <a:rPr kumimoji="1" lang="en-US" altLang="ja-JP" sz="3200" dirty="0"/>
+              <a:rPr kumimoji="1" lang="en-US" altLang="ja-JP" sz="3200" dirty="0">
+                <a:solidFill>
+                  <a:srgbClr val="FF0000"/>
+                </a:solidFill>
+              </a:rPr>
               <a:t>(double speed);</a:t>
             </a:r>
           </a:p>
           <a:p>
             <a:r>
-              <a:rPr kumimoji="1" lang="en-US" altLang="ja-JP" sz="3200" dirty="0"/>
+              <a:rPr kumimoji="1" lang="en-US" altLang="ja-JP" sz="3200" dirty="0">
+                <a:solidFill>
+                  <a:srgbClr val="00B050"/>
+                </a:solidFill>
+              </a:rPr>
               <a:t>private:</a:t>
             </a:r>
           </a:p>
@@ -7879,7 +7917,11 @@
               <a:t>    double </a:t>
             </a:r>
             <a:r>
-              <a:rPr kumimoji="1" lang="en-US" altLang="ja-JP" sz="3200" dirty="0" err="1"/>
+              <a:rPr kumimoji="1" lang="en-US" altLang="ja-JP" sz="3200" dirty="0" err="1">
+                <a:solidFill>
+                  <a:srgbClr val="00B0F0"/>
+                </a:solidFill>
+              </a:rPr>
               <a:t>m_speed</a:t>
             </a:r>
             <a:r>
@@ -8124,12 +8166,24 @@
               <a:t>” &lt;&lt; </a:t>
             </a:r>
             <a:r>
-              <a:rPr kumimoji="1" lang="en-US" altLang="ja-JP" sz="2400" dirty="0" err="1"/>
+              <a:rPr kumimoji="1" lang="en-US" altLang="ja-JP" sz="2400" dirty="0" err="1">
+                <a:solidFill>
+                  <a:srgbClr val="00B0F0"/>
+                </a:solidFill>
+              </a:rPr>
               <a:t>m_speed</a:t>
             </a:r>
             <a:r>
+              <a:rPr kumimoji="1" lang="en-US" altLang="ja-JP" sz="2400" dirty="0">
+                <a:solidFill>
+                  <a:srgbClr val="00B0F0"/>
+                </a:solidFill>
+              </a:rPr>
+              <a:t> </a:t>
+            </a:r>
+            <a:r>
               <a:rPr kumimoji="1" lang="en-US" altLang="ja-JP" sz="2400" dirty="0"/>
-              <a:t> &lt;&lt; “km</a:t>
+              <a:t>&lt;&lt; “km</a:t>
             </a:r>
             <a:r>
               <a:rPr kumimoji="1" lang="ja-JP" altLang="en-US" sz="2400" dirty="0"/>
@@ -8178,12 +8232,24 @@
               <a:t> &lt;&lt; </a:t>
             </a:r>
             <a:r>
-              <a:rPr kumimoji="1" lang="en-US" altLang="ja-JP" sz="2400" dirty="0" err="1"/>
+              <a:rPr kumimoji="1" lang="en-US" altLang="ja-JP" sz="2400" dirty="0" err="1">
+                <a:solidFill>
+                  <a:srgbClr val="00B0F0"/>
+                </a:solidFill>
+              </a:rPr>
               <a:t>m_speed</a:t>
             </a:r>
             <a:r>
+              <a:rPr kumimoji="1" lang="ja-JP" altLang="en-US" sz="2400" dirty="0">
+                <a:solidFill>
+                  <a:srgbClr val="00B0F0"/>
+                </a:solidFill>
+              </a:rPr>
+              <a:t> </a:t>
+            </a:r>
+            <a:r>
               <a:rPr kumimoji="1" lang="en-US" altLang="ja-JP" sz="2400" dirty="0"/>
-              <a:t>*hour &lt;&lt; “km</a:t>
+              <a:t>* hour &lt;&lt; “km</a:t>
             </a:r>
             <a:r>
               <a:rPr kumimoji="1" lang="ja-JP" altLang="en-US" sz="2400" dirty="0"/>
@@ -8211,35 +8277,63 @@
           </a:p>
           <a:p>
             <a:r>
-              <a:rPr kumimoji="1" lang="en-US" altLang="ja-JP" sz="2400" dirty="0"/>
+              <a:rPr kumimoji="1" lang="en-US" altLang="ja-JP" sz="2400" dirty="0">
+                <a:solidFill>
+                  <a:srgbClr val="FF0000"/>
+                </a:solidFill>
+              </a:rPr>
               <a:t>void Car::</a:t>
             </a:r>
             <a:r>
-              <a:rPr kumimoji="1" lang="en-US" altLang="ja-JP" sz="2400" dirty="0" err="1"/>
+              <a:rPr kumimoji="1" lang="en-US" altLang="ja-JP" sz="2400" dirty="0" err="1">
+                <a:solidFill>
+                  <a:srgbClr val="FF0000"/>
+                </a:solidFill>
+              </a:rPr>
               <a:t>setSpeed</a:t>
             </a:r>
             <a:r>
-              <a:rPr kumimoji="1" lang="en-US" altLang="ja-JP" sz="2400" dirty="0"/>
+              <a:rPr kumimoji="1" lang="en-US" altLang="ja-JP" sz="2400" dirty="0">
+                <a:solidFill>
+                  <a:srgbClr val="FF0000"/>
+                </a:solidFill>
+              </a:rPr>
               <a:t>(double speed){</a:t>
             </a:r>
           </a:p>
           <a:p>
             <a:r>
-              <a:rPr kumimoji="1" lang="en-US" altLang="ja-JP" sz="2400" dirty="0"/>
+              <a:rPr kumimoji="1" lang="en-US" altLang="ja-JP" sz="2400" dirty="0">
+                <a:solidFill>
+                  <a:srgbClr val="FF0000"/>
+                </a:solidFill>
+              </a:rPr>
               <a:t>    </a:t>
             </a:r>
             <a:r>
-              <a:rPr kumimoji="1" lang="en-US" altLang="ja-JP" sz="2400" dirty="0" err="1"/>
+              <a:rPr kumimoji="1" lang="en-US" altLang="ja-JP" sz="2400" dirty="0" err="1">
+                <a:solidFill>
+                  <a:srgbClr val="FF0000"/>
+                </a:solidFill>
+              </a:rPr>
               <a:t>m_speed</a:t>
             </a:r>
             <a:r>
-              <a:rPr kumimoji="1" lang="en-US" altLang="ja-JP" sz="2400" dirty="0"/>
+              <a:rPr kumimoji="1" lang="en-US" altLang="ja-JP" sz="2400" dirty="0">
+                <a:solidFill>
+                  <a:srgbClr val="FF0000"/>
+                </a:solidFill>
+              </a:rPr>
               <a:t> = speed;</a:t>
             </a:r>
           </a:p>
           <a:p>
             <a:r>
-              <a:rPr kumimoji="1" lang="en-US" altLang="ja-JP" sz="2400" dirty="0"/>
+              <a:rPr kumimoji="1" lang="en-US" altLang="ja-JP" sz="2400" dirty="0">
+                <a:solidFill>
+                  <a:srgbClr val="FF0000"/>
+                </a:solidFill>
+              </a:rPr>
               <a:t>}</a:t>
             </a:r>
           </a:p>

--- a/授業資料/講義資料：アクセス指定子とカプセル化.pptx
+++ b/授業資料/講義資料：アクセス指定子とカプセル化.pptx
@@ -24,11 +24,13 @@
     <p:sldId id="301" r:id="rId18"/>
     <p:sldId id="302" r:id="rId19"/>
     <p:sldId id="303" r:id="rId20"/>
-    <p:sldId id="304" r:id="rId21"/>
-    <p:sldId id="305" r:id="rId22"/>
-    <p:sldId id="306" r:id="rId23"/>
-    <p:sldId id="309" r:id="rId24"/>
-    <p:sldId id="308" r:id="rId25"/>
+    <p:sldId id="310" r:id="rId21"/>
+    <p:sldId id="311" r:id="rId22"/>
+    <p:sldId id="304" r:id="rId23"/>
+    <p:sldId id="305" r:id="rId24"/>
+    <p:sldId id="306" r:id="rId25"/>
+    <p:sldId id="309" r:id="rId26"/>
+    <p:sldId id="308" r:id="rId27"/>
   </p:sldIdLst>
   <p:sldSz cx="12192000" cy="6858000"/>
   <p:notesSz cx="6858000" cy="9144000"/>
@@ -266,7 +268,7 @@
           <a:p>
             <a:fld id="{5B96D3F8-CD2E-4A0D-AC38-517181EABB18}" type="datetimeFigureOut">
               <a:rPr kumimoji="1" lang="ja-JP" altLang="en-US" smtClean="0"/>
-              <a:t>2024/9/9</a:t>
+              <a:t>2024/9/11</a:t>
             </a:fld>
             <a:endParaRPr kumimoji="1" lang="ja-JP" altLang="en-US"/>
           </a:p>
@@ -468,7 +470,7 @@
           <a:p>
             <a:fld id="{5B96D3F8-CD2E-4A0D-AC38-517181EABB18}" type="datetimeFigureOut">
               <a:rPr kumimoji="1" lang="ja-JP" altLang="en-US" smtClean="0"/>
-              <a:t>2024/9/9</a:t>
+              <a:t>2024/9/11</a:t>
             </a:fld>
             <a:endParaRPr kumimoji="1" lang="ja-JP" altLang="en-US"/>
           </a:p>
@@ -680,7 +682,7 @@
           <a:p>
             <a:fld id="{5B96D3F8-CD2E-4A0D-AC38-517181EABB18}" type="datetimeFigureOut">
               <a:rPr kumimoji="1" lang="ja-JP" altLang="en-US" smtClean="0"/>
-              <a:t>2024/9/9</a:t>
+              <a:t>2024/9/11</a:t>
             </a:fld>
             <a:endParaRPr kumimoji="1" lang="ja-JP" altLang="en-US"/>
           </a:p>
@@ -882,7 +884,7 @@
           <a:p>
             <a:fld id="{5B96D3F8-CD2E-4A0D-AC38-517181EABB18}" type="datetimeFigureOut">
               <a:rPr kumimoji="1" lang="ja-JP" altLang="en-US" smtClean="0"/>
-              <a:t>2024/9/9</a:t>
+              <a:t>2024/9/11</a:t>
             </a:fld>
             <a:endParaRPr kumimoji="1" lang="ja-JP" altLang="en-US"/>
           </a:p>
@@ -1128,7 +1130,7 @@
           <a:p>
             <a:fld id="{5B96D3F8-CD2E-4A0D-AC38-517181EABB18}" type="datetimeFigureOut">
               <a:rPr kumimoji="1" lang="ja-JP" altLang="en-US" smtClean="0"/>
-              <a:t>2024/9/9</a:t>
+              <a:t>2024/9/11</a:t>
             </a:fld>
             <a:endParaRPr kumimoji="1" lang="ja-JP" altLang="en-US"/>
           </a:p>
@@ -1424,7 +1426,7 @@
           <a:p>
             <a:fld id="{5B96D3F8-CD2E-4A0D-AC38-517181EABB18}" type="datetimeFigureOut">
               <a:rPr kumimoji="1" lang="ja-JP" altLang="en-US" smtClean="0"/>
-              <a:t>2024/9/9</a:t>
+              <a:t>2024/9/11</a:t>
             </a:fld>
             <a:endParaRPr kumimoji="1" lang="ja-JP" altLang="en-US"/>
           </a:p>
@@ -1855,7 +1857,7 @@
           <a:p>
             <a:fld id="{5B96D3F8-CD2E-4A0D-AC38-517181EABB18}" type="datetimeFigureOut">
               <a:rPr kumimoji="1" lang="ja-JP" altLang="en-US" smtClean="0"/>
-              <a:t>2024/9/9</a:t>
+              <a:t>2024/9/11</a:t>
             </a:fld>
             <a:endParaRPr kumimoji="1" lang="ja-JP" altLang="en-US"/>
           </a:p>
@@ -1973,7 +1975,7 @@
           <a:p>
             <a:fld id="{5B96D3F8-CD2E-4A0D-AC38-517181EABB18}" type="datetimeFigureOut">
               <a:rPr kumimoji="1" lang="ja-JP" altLang="en-US" smtClean="0"/>
-              <a:t>2024/9/9</a:t>
+              <a:t>2024/9/11</a:t>
             </a:fld>
             <a:endParaRPr kumimoji="1" lang="ja-JP" altLang="en-US"/>
           </a:p>
@@ -2068,7 +2070,7 @@
           <a:p>
             <a:fld id="{5B96D3F8-CD2E-4A0D-AC38-517181EABB18}" type="datetimeFigureOut">
               <a:rPr kumimoji="1" lang="ja-JP" altLang="en-US" smtClean="0"/>
-              <a:t>2024/9/9</a:t>
+              <a:t>2024/9/11</a:t>
             </a:fld>
             <a:endParaRPr kumimoji="1" lang="ja-JP" altLang="en-US"/>
           </a:p>
@@ -2377,7 +2379,7 @@
           <a:p>
             <a:fld id="{5B96D3F8-CD2E-4A0D-AC38-517181EABB18}" type="datetimeFigureOut">
               <a:rPr kumimoji="1" lang="ja-JP" altLang="en-US" smtClean="0"/>
-              <a:t>2024/9/9</a:t>
+              <a:t>2024/9/11</a:t>
             </a:fld>
             <a:endParaRPr kumimoji="1" lang="ja-JP" altLang="en-US"/>
           </a:p>
@@ -2634,7 +2636,7 @@
           <a:p>
             <a:fld id="{5B96D3F8-CD2E-4A0D-AC38-517181EABB18}" type="datetimeFigureOut">
               <a:rPr kumimoji="1" lang="ja-JP" altLang="en-US" smtClean="0"/>
-              <a:t>2024/9/9</a:t>
+              <a:t>2024/9/11</a:t>
             </a:fld>
             <a:endParaRPr kumimoji="1" lang="ja-JP" altLang="en-US"/>
           </a:p>
@@ -2879,7 +2881,7 @@
           <a:p>
             <a:fld id="{5B96D3F8-CD2E-4A0D-AC38-517181EABB18}" type="datetimeFigureOut">
               <a:rPr kumimoji="1" lang="ja-JP" altLang="en-US" smtClean="0"/>
-              <a:t>2024/9/9</a:t>
+              <a:t>2024/9/11</a:t>
             </a:fld>
             <a:endParaRPr kumimoji="1" lang="ja-JP" altLang="en-US"/>
           </a:p>
@@ -7186,6 +7188,359 @@
           <p:cNvPr id="2" name="タイトル 1">
             <a:extLst>
               <a:ext uri="{FF2B5EF4-FFF2-40B4-BE49-F238E27FC236}">
+                <a16:creationId xmlns:a16="http://schemas.microsoft.com/office/drawing/2014/main" id="{F11F3668-F205-48C5-AC01-19611EFE561B}"/>
+              </a:ext>
+            </a:extLst>
+          </p:cNvPr>
+          <p:cNvSpPr>
+            <a:spLocks noGrp="1"/>
+          </p:cNvSpPr>
+          <p:nvPr>
+            <p:ph type="title"/>
+          </p:nvPr>
+        </p:nvSpPr>
+        <p:spPr/>
+        <p:txBody>
+          <a:bodyPr/>
+          <a:lstStyle/>
+          <a:p>
+            <a:r>
+              <a:rPr kumimoji="1" lang="en-US" altLang="ja-JP" dirty="0"/>
+              <a:t>【</a:t>
+            </a:r>
+            <a:r>
+              <a:rPr kumimoji="1" lang="ja-JP" altLang="en-US" dirty="0"/>
+              <a:t>参考</a:t>
+            </a:r>
+            <a:r>
+              <a:rPr kumimoji="1" lang="en-US" altLang="ja-JP" dirty="0"/>
+              <a:t>】</a:t>
+            </a:r>
+            <a:r>
+              <a:rPr kumimoji="1" lang="ja-JP" altLang="en-US" dirty="0"/>
+              <a:t>ハンガリアン記法</a:t>
+            </a:r>
+          </a:p>
+        </p:txBody>
+      </p:sp>
+      <p:sp>
+        <p:nvSpPr>
+          <p:cNvPr id="3" name="コンテンツ プレースホルダー 2">
+            <a:extLst>
+              <a:ext uri="{FF2B5EF4-FFF2-40B4-BE49-F238E27FC236}">
+                <a16:creationId xmlns:a16="http://schemas.microsoft.com/office/drawing/2014/main" id="{64DBE417-57E9-44A6-BB52-B2F9986BB7B2}"/>
+              </a:ext>
+            </a:extLst>
+          </p:cNvPr>
+          <p:cNvSpPr>
+            <a:spLocks noGrp="1"/>
+          </p:cNvSpPr>
+          <p:nvPr>
+            <p:ph idx="1"/>
+          </p:nvPr>
+        </p:nvSpPr>
+        <p:spPr/>
+        <p:txBody>
+          <a:bodyPr>
+            <a:normAutofit/>
+          </a:bodyPr>
+          <a:lstStyle/>
+          <a:p>
+            <a:r>
+              <a:rPr lang="ja-JP" altLang="en-US" dirty="0"/>
+              <a:t>プログラミングを行う際に、変数や定数、クラス名や関数名を付ける必要がある</a:t>
+            </a:r>
+            <a:br>
+              <a:rPr lang="en-US" altLang="ja-JP" dirty="0"/>
+            </a:br>
+            <a:endParaRPr lang="en-US" altLang="ja-JP" dirty="0"/>
+          </a:p>
+          <a:p>
+            <a:r>
+              <a:rPr lang="ja-JP" altLang="en-US" dirty="0"/>
+              <a:t>統一した指針に則って命名することで、可読性がアップする</a:t>
+            </a:r>
+            <a:br>
+              <a:rPr lang="en-US" altLang="ja-JP" dirty="0"/>
+            </a:br>
+            <a:endParaRPr lang="en-US" altLang="ja-JP" dirty="0"/>
+          </a:p>
+          <a:p>
+            <a:r>
+              <a:rPr lang="ja-JP" altLang="en-US" dirty="0"/>
+              <a:t>テキストはハンガリアン記法に則って命名している</a:t>
+            </a:r>
+            <a:endParaRPr lang="en-US" altLang="ja-JP" dirty="0"/>
+          </a:p>
+        </p:txBody>
+      </p:sp>
+    </p:spTree>
+    <p:extLst>
+      <p:ext uri="{BB962C8B-B14F-4D97-AF65-F5344CB8AC3E}">
+        <p14:creationId xmlns:p14="http://schemas.microsoft.com/office/powerpoint/2010/main" val="491613214"/>
+      </p:ext>
+    </p:extLst>
+  </p:cSld>
+  <p:clrMapOvr>
+    <a:masterClrMapping/>
+  </p:clrMapOvr>
+</p:sld>
+</file>
+
+<file path=ppt/slides/slide21.xml><?xml version="1.0" encoding="utf-8"?>
+<p:sld xmlns:a="http://schemas.openxmlformats.org/drawingml/2006/main" xmlns:r="http://schemas.openxmlformats.org/officeDocument/2006/relationships" xmlns:p="http://schemas.openxmlformats.org/presentationml/2006/main">
+  <p:cSld>
+    <p:spTree>
+      <p:nvGrpSpPr>
+        <p:cNvPr id="1" name=""/>
+        <p:cNvGrpSpPr/>
+        <p:nvPr/>
+      </p:nvGrpSpPr>
+      <p:grpSpPr>
+        <a:xfrm>
+          <a:off x="0" y="0"/>
+          <a:ext cx="0" cy="0"/>
+          <a:chOff x="0" y="0"/>
+          <a:chExt cx="0" cy="0"/>
+        </a:xfrm>
+      </p:grpSpPr>
+      <p:sp>
+        <p:nvSpPr>
+          <p:cNvPr id="2" name="タイトル 1">
+            <a:extLst>
+              <a:ext uri="{FF2B5EF4-FFF2-40B4-BE49-F238E27FC236}">
+                <a16:creationId xmlns:a16="http://schemas.microsoft.com/office/drawing/2014/main" id="{F11F3668-F205-48C5-AC01-19611EFE561B}"/>
+              </a:ext>
+            </a:extLst>
+          </p:cNvPr>
+          <p:cNvSpPr>
+            <a:spLocks noGrp="1"/>
+          </p:cNvSpPr>
+          <p:nvPr>
+            <p:ph type="title"/>
+          </p:nvPr>
+        </p:nvSpPr>
+        <p:spPr/>
+        <p:txBody>
+          <a:bodyPr/>
+          <a:lstStyle/>
+          <a:p>
+            <a:r>
+              <a:rPr kumimoji="1" lang="en-US" altLang="ja-JP" dirty="0"/>
+              <a:t>【</a:t>
+            </a:r>
+            <a:r>
+              <a:rPr kumimoji="1" lang="ja-JP" altLang="en-US" dirty="0"/>
+              <a:t>参考</a:t>
+            </a:r>
+            <a:r>
+              <a:rPr kumimoji="1" lang="en-US" altLang="ja-JP" dirty="0"/>
+              <a:t>】</a:t>
+            </a:r>
+            <a:r>
+              <a:rPr kumimoji="1" lang="ja-JP" altLang="en-US" dirty="0"/>
+              <a:t>ハンガリアン記法</a:t>
+            </a:r>
+          </a:p>
+        </p:txBody>
+      </p:sp>
+      <p:sp>
+        <p:nvSpPr>
+          <p:cNvPr id="3" name="コンテンツ プレースホルダー 2">
+            <a:extLst>
+              <a:ext uri="{FF2B5EF4-FFF2-40B4-BE49-F238E27FC236}">
+                <a16:creationId xmlns:a16="http://schemas.microsoft.com/office/drawing/2014/main" id="{64DBE417-57E9-44A6-BB52-B2F9986BB7B2}"/>
+              </a:ext>
+            </a:extLst>
+          </p:cNvPr>
+          <p:cNvSpPr>
+            <a:spLocks noGrp="1"/>
+          </p:cNvSpPr>
+          <p:nvPr>
+            <p:ph idx="1"/>
+          </p:nvPr>
+        </p:nvSpPr>
+        <p:spPr/>
+        <p:txBody>
+          <a:bodyPr>
+            <a:normAutofit/>
+          </a:bodyPr>
+          <a:lstStyle/>
+          <a:p>
+            <a:r>
+              <a:rPr lang="ja-JP" altLang="en-US" dirty="0"/>
+              <a:t>例</a:t>
+            </a:r>
+            <a:br>
+              <a:rPr lang="en-US" altLang="ja-JP" dirty="0"/>
+            </a:br>
+            <a:r>
+              <a:rPr lang="en-US" altLang="ja-JP" dirty="0" err="1">
+                <a:solidFill>
+                  <a:srgbClr val="FF0000"/>
+                </a:solidFill>
+              </a:rPr>
+              <a:t>m_</a:t>
+            </a:r>
+            <a:r>
+              <a:rPr lang="en-US" altLang="ja-JP" dirty="0" err="1">
+                <a:solidFill>
+                  <a:srgbClr val="00B050"/>
+                </a:solidFill>
+              </a:rPr>
+              <a:t>speed</a:t>
+            </a:r>
+            <a:r>
+              <a:rPr lang="en-US" altLang="ja-JP" dirty="0"/>
+              <a:t> </a:t>
+            </a:r>
+            <a:r>
+              <a:rPr lang="ja-JP" altLang="en-US" dirty="0"/>
+              <a:t>は「</a:t>
+            </a:r>
+            <a:r>
+              <a:rPr lang="en-US" altLang="ja-JP" dirty="0">
+                <a:solidFill>
+                  <a:srgbClr val="FF0000"/>
+                </a:solidFill>
+              </a:rPr>
+              <a:t>m_</a:t>
+            </a:r>
+            <a:r>
+              <a:rPr lang="ja-JP" altLang="en-US" dirty="0"/>
+              <a:t>」を付けることでメンバ変数で</a:t>
+            </a:r>
+            <a:br>
+              <a:rPr lang="en-US" altLang="ja-JP" dirty="0"/>
+            </a:br>
+            <a:r>
+              <a:rPr lang="ja-JP" altLang="en-US" dirty="0"/>
+              <a:t>あることを表し、「</a:t>
+            </a:r>
+            <a:r>
+              <a:rPr lang="en-US" altLang="ja-JP" dirty="0">
+                <a:solidFill>
+                  <a:srgbClr val="00B050"/>
+                </a:solidFill>
+              </a:rPr>
+              <a:t>speed</a:t>
+            </a:r>
+            <a:r>
+              <a:rPr lang="ja-JP" altLang="en-US" dirty="0"/>
+              <a:t>」で速度を格納する変数であることを示している</a:t>
+            </a:r>
+            <a:br>
+              <a:rPr lang="en-US" altLang="ja-JP" dirty="0"/>
+            </a:br>
+            <a:br>
+              <a:rPr lang="en-US" altLang="ja-JP" dirty="0"/>
+            </a:br>
+            <a:r>
+              <a:rPr lang="ja-JP" altLang="en-US" dirty="0"/>
+              <a:t>セッター </a:t>
+            </a:r>
+            <a:r>
+              <a:rPr lang="en-US" altLang="ja-JP" dirty="0" err="1">
+                <a:solidFill>
+                  <a:srgbClr val="FF0000"/>
+                </a:solidFill>
+              </a:rPr>
+              <a:t>set</a:t>
+            </a:r>
+            <a:r>
+              <a:rPr lang="en-US" altLang="ja-JP" dirty="0" err="1">
+                <a:solidFill>
+                  <a:srgbClr val="00B050"/>
+                </a:solidFill>
+              </a:rPr>
+              <a:t>Speed</a:t>
+            </a:r>
+            <a:r>
+              <a:rPr lang="en-US" altLang="ja-JP" dirty="0"/>
+              <a:t>() </a:t>
+            </a:r>
+            <a:r>
+              <a:rPr lang="ja-JP" altLang="en-US" dirty="0"/>
+              <a:t>は「</a:t>
+            </a:r>
+            <a:r>
+              <a:rPr lang="en-US" altLang="ja-JP" dirty="0">
+                <a:solidFill>
+                  <a:srgbClr val="FF0000"/>
+                </a:solidFill>
+              </a:rPr>
+              <a:t>set</a:t>
+            </a:r>
+            <a:r>
+              <a:rPr lang="ja-JP" altLang="en-US" dirty="0"/>
+              <a:t>」</a:t>
+            </a:r>
+            <a:r>
+              <a:rPr lang="en-US" altLang="ja-JP" dirty="0"/>
+              <a:t>+</a:t>
+            </a:r>
+            <a:r>
+              <a:rPr lang="ja-JP" altLang="en-US" dirty="0"/>
+              <a:t>「</a:t>
+            </a:r>
+            <a:r>
+              <a:rPr lang="en-US" altLang="ja-JP" dirty="0">
+                <a:solidFill>
+                  <a:srgbClr val="00B050"/>
+                </a:solidFill>
+              </a:rPr>
+              <a:t>speed</a:t>
+            </a:r>
+            <a:r>
+              <a:rPr lang="ja-JP" altLang="en-US" dirty="0"/>
+              <a:t>」で</a:t>
+            </a:r>
+            <a:br>
+              <a:rPr lang="en-US" altLang="ja-JP" dirty="0"/>
+            </a:br>
+            <a:r>
+              <a:rPr lang="ja-JP" altLang="en-US" dirty="0"/>
+              <a:t>速度を格納することがわかりやすくなる</a:t>
+            </a:r>
+            <a:endParaRPr lang="en-US" altLang="ja-JP" dirty="0"/>
+          </a:p>
+        </p:txBody>
+      </p:sp>
+    </p:spTree>
+    <p:extLst>
+      <p:ext uri="{BB962C8B-B14F-4D97-AF65-F5344CB8AC3E}">
+        <p14:creationId xmlns:p14="http://schemas.microsoft.com/office/powerpoint/2010/main" val="3639651843"/>
+      </p:ext>
+    </p:extLst>
+  </p:cSld>
+  <p:clrMapOvr>
+    <a:masterClrMapping/>
+  </p:clrMapOvr>
+</p:sld>
+</file>
+
+<file path=ppt/slides/slide22.xml><?xml version="1.0" encoding="utf-8"?>
+<p:sld xmlns:a="http://schemas.openxmlformats.org/drawingml/2006/main" xmlns:r="http://schemas.openxmlformats.org/officeDocument/2006/relationships" xmlns:p="http://schemas.openxmlformats.org/presentationml/2006/main">
+  <p:cSld>
+    <p:spTree>
+      <p:nvGrpSpPr>
+        <p:cNvPr id="1" name=""/>
+        <p:cNvGrpSpPr/>
+        <p:nvPr/>
+      </p:nvGrpSpPr>
+      <p:grpSpPr>
+        <a:xfrm>
+          <a:off x="0" y="0"/>
+          <a:ext cx="0" cy="0"/>
+          <a:chOff x="0" y="0"/>
+          <a:chExt cx="0" cy="0"/>
+        </a:xfrm>
+      </p:grpSpPr>
+      <p:sp>
+        <p:nvSpPr>
+          <p:cNvPr id="2" name="タイトル 1">
+            <a:extLst>
+              <a:ext uri="{FF2B5EF4-FFF2-40B4-BE49-F238E27FC236}">
                 <a16:creationId xmlns:a16="http://schemas.microsoft.com/office/drawing/2014/main" id="{EC1D9B36-FFC2-4D52-A2A6-FEEE7804F5FA}"/>
               </a:ext>
             </a:extLst>
@@ -7271,26 +7626,6 @@
               <a:rPr kumimoji="1" lang="ja-JP" altLang="en-US" dirty="0"/>
               <a:t>コマンドプロンプトで次のコマンドを入力する</a:t>
             </a:r>
-            <a:br>
-              <a:rPr kumimoji="1" lang="en-US" altLang="ja-JP" dirty="0"/>
-            </a:br>
-            <a:br>
-              <a:rPr kumimoji="1" lang="en-US" altLang="ja-JP" dirty="0"/>
-            </a:br>
-            <a:r>
-              <a:rPr kumimoji="1" lang="en-US" altLang="ja-JP" sz="4400" dirty="0">
-                <a:solidFill>
-                  <a:srgbClr val="00B0F0"/>
-                </a:solidFill>
-              </a:rPr>
-              <a:t>robocopy Sample301 Sample301c</a:t>
-            </a:r>
-            <a:br>
-              <a:rPr kumimoji="1" lang="en-US" altLang="ja-JP" dirty="0"/>
-            </a:br>
-            <a:br>
-              <a:rPr lang="en-US" altLang="ja-JP" dirty="0"/>
-            </a:br>
             <a:r>
               <a:rPr lang="en-US" altLang="ja-JP" dirty="0"/>
               <a:t>Sample301</a:t>
@@ -7314,6 +7649,38 @@
               <a:rPr lang="ja-JP" altLang="en-US" dirty="0"/>
               <a:t>複製される</a:t>
             </a:r>
+            <a:br>
+              <a:rPr kumimoji="1" lang="en-US" altLang="ja-JP" dirty="0"/>
+            </a:br>
+            <a:br>
+              <a:rPr kumimoji="1" lang="en-US" altLang="ja-JP" dirty="0"/>
+            </a:br>
+            <a:r>
+              <a:rPr kumimoji="1" lang="en-US" altLang="ja-JP" sz="4400" dirty="0">
+                <a:solidFill>
+                  <a:srgbClr val="00B0F0"/>
+                </a:solidFill>
+              </a:rPr>
+              <a:t>robocopy Sample301 Sample301c</a:t>
+            </a:r>
+            <a:br>
+              <a:rPr kumimoji="1" lang="en-US" altLang="ja-JP" sz="4400" dirty="0">
+                <a:solidFill>
+                  <a:srgbClr val="00B0F0"/>
+                </a:solidFill>
+              </a:rPr>
+            </a:br>
+            <a:r>
+              <a:rPr kumimoji="1" lang="en-US" altLang="ja-JP" sz="4400" dirty="0">
+                <a:solidFill>
+                  <a:srgbClr val="00B0F0"/>
+                </a:solidFill>
+              </a:rPr>
+              <a:t>cd Sample301c</a:t>
+            </a:r>
+            <a:br>
+              <a:rPr kumimoji="1" lang="en-US" altLang="ja-JP" dirty="0"/>
+            </a:br>
             <a:endParaRPr kumimoji="1" lang="ja-JP" altLang="en-US" dirty="0"/>
           </a:p>
         </p:txBody>
@@ -7429,528 +7796,6 @@
 </p:sld>
 </file>
 
-<file path=ppt/slides/slide21.xml><?xml version="1.0" encoding="utf-8"?>
-<p:sld xmlns:a="http://schemas.openxmlformats.org/drawingml/2006/main" xmlns:r="http://schemas.openxmlformats.org/officeDocument/2006/relationships" xmlns:p="http://schemas.openxmlformats.org/presentationml/2006/main">
-  <p:cSld>
-    <p:spTree>
-      <p:nvGrpSpPr>
-        <p:cNvPr id="1" name=""/>
-        <p:cNvGrpSpPr/>
-        <p:nvPr/>
-      </p:nvGrpSpPr>
-      <p:grpSpPr>
-        <a:xfrm>
-          <a:off x="0" y="0"/>
-          <a:ext cx="0" cy="0"/>
-          <a:chOff x="0" y="0"/>
-          <a:chExt cx="0" cy="0"/>
-        </a:xfrm>
-      </p:grpSpPr>
-      <p:sp>
-        <p:nvSpPr>
-          <p:cNvPr id="2" name="タイトル 1">
-            <a:extLst>
-              <a:ext uri="{FF2B5EF4-FFF2-40B4-BE49-F238E27FC236}">
-                <a16:creationId xmlns:a16="http://schemas.microsoft.com/office/drawing/2014/main" id="{EC1D9B36-FFC2-4D52-A2A6-FEEE7804F5FA}"/>
-              </a:ext>
-            </a:extLst>
-          </p:cNvPr>
-          <p:cNvSpPr>
-            <a:spLocks noGrp="1"/>
-          </p:cNvSpPr>
-          <p:nvPr>
-            <p:ph type="title"/>
-          </p:nvPr>
-        </p:nvSpPr>
-        <p:spPr/>
-        <p:txBody>
-          <a:bodyPr/>
-          <a:lstStyle/>
-          <a:p>
-            <a:r>
-              <a:rPr kumimoji="1" lang="ja-JP" altLang="en-US" dirty="0"/>
-              <a:t>アクセス指定子とカプセル化</a:t>
-            </a:r>
-          </a:p>
-        </p:txBody>
-      </p:sp>
-      <p:sp>
-        <p:nvSpPr>
-          <p:cNvPr id="3" name="コンテンツ プレースホルダー 2">
-            <a:extLst>
-              <a:ext uri="{FF2B5EF4-FFF2-40B4-BE49-F238E27FC236}">
-                <a16:creationId xmlns:a16="http://schemas.microsoft.com/office/drawing/2014/main" id="{534285BC-9209-40FB-8017-B7672579046F}"/>
-              </a:ext>
-            </a:extLst>
-          </p:cNvPr>
-          <p:cNvSpPr>
-            <a:spLocks noGrp="1"/>
-          </p:cNvSpPr>
-          <p:nvPr>
-            <p:ph idx="1"/>
-          </p:nvPr>
-        </p:nvSpPr>
-        <p:spPr>
-          <a:xfrm>
-            <a:off x="838199" y="1376038"/>
-            <a:ext cx="11239919" cy="4980311"/>
-          </a:xfrm>
-        </p:spPr>
-        <p:txBody>
-          <a:bodyPr>
-            <a:normAutofit fontScale="92500" lnSpcReduction="10000"/>
-          </a:bodyPr>
-          <a:lstStyle/>
-          <a:p>
-            <a:r>
-              <a:rPr kumimoji="1" lang="en-US" altLang="ja-JP" dirty="0"/>
-              <a:t>【</a:t>
-            </a:r>
-            <a:r>
-              <a:rPr kumimoji="1" lang="ja-JP" altLang="en-US" dirty="0"/>
-              <a:t>練習</a:t>
-            </a:r>
-            <a:r>
-              <a:rPr kumimoji="1" lang="en-US" altLang="ja-JP" dirty="0"/>
-              <a:t>】</a:t>
-            </a:r>
-            <a:r>
-              <a:rPr kumimoji="1" lang="ja-JP" altLang="en-US" dirty="0"/>
-              <a:t>　</a:t>
-            </a:r>
-            <a:r>
-              <a:rPr kumimoji="1" lang="en-US" altLang="ja-JP" dirty="0"/>
-              <a:t>Sample301</a:t>
-            </a:r>
-            <a:r>
-              <a:rPr kumimoji="1" lang="ja-JP" altLang="en-US" dirty="0"/>
-              <a:t>のカプセル化</a:t>
-            </a:r>
-            <a:endParaRPr kumimoji="1" lang="en-US" altLang="ja-JP" sz="3500" dirty="0"/>
-          </a:p>
-          <a:p>
-            <a:pPr marL="742950" indent="-742950">
-              <a:buFont typeface="+mj-ea"/>
-              <a:buAutoNum type="circleNumDbPlain"/>
-            </a:pPr>
-            <a:r>
-              <a:rPr kumimoji="1" lang="en-US" altLang="ja-JP" sz="3500" dirty="0" err="1"/>
-              <a:t>car.h</a:t>
-            </a:r>
-            <a:r>
-              <a:rPr kumimoji="1" lang="ja-JP" altLang="en-US" sz="3500" dirty="0"/>
-              <a:t> </a:t>
-            </a:r>
-            <a:r>
-              <a:rPr lang="ja-JP" altLang="en-US" sz="3500" dirty="0"/>
-              <a:t>内に</a:t>
-            </a:r>
-            <a:r>
-              <a:rPr lang="en-US" altLang="ja-JP" sz="3500" dirty="0"/>
-              <a:t>public</a:t>
-            </a:r>
-            <a:r>
-              <a:rPr lang="ja-JP" altLang="en-US" sz="3500" dirty="0"/>
-              <a:t>な</a:t>
-            </a:r>
-            <a:r>
-              <a:rPr kumimoji="1" lang="ja-JP" altLang="en-US" sz="3500" dirty="0"/>
-              <a:t>セッター（</a:t>
-            </a:r>
-            <a:r>
-              <a:rPr kumimoji="1" lang="en-US" altLang="ja-JP" sz="3500" dirty="0" err="1">
-                <a:solidFill>
-                  <a:srgbClr val="FF0000"/>
-                </a:solidFill>
-              </a:rPr>
-              <a:t>setSpeed</a:t>
-            </a:r>
-            <a:r>
-              <a:rPr kumimoji="1" lang="ja-JP" altLang="en-US" sz="3500" dirty="0"/>
-              <a:t>）を定義する</a:t>
-            </a:r>
-            <a:br>
-              <a:rPr kumimoji="1" lang="en-US" altLang="ja-JP" sz="3500" dirty="0"/>
-            </a:br>
-            <a:endParaRPr kumimoji="1" lang="en-US" altLang="ja-JP" sz="3500" dirty="0"/>
-          </a:p>
-          <a:p>
-            <a:pPr marL="742950" indent="-742950">
-              <a:buFont typeface="+mj-ea"/>
-              <a:buAutoNum type="circleNumDbPlain"/>
-            </a:pPr>
-            <a:r>
-              <a:rPr kumimoji="1" lang="en-US" altLang="ja-JP" sz="3500" dirty="0"/>
-              <a:t>public</a:t>
-            </a:r>
-            <a:r>
-              <a:rPr kumimoji="1" lang="ja-JP" altLang="en-US" sz="3500" dirty="0"/>
-              <a:t>な</a:t>
-            </a:r>
-            <a:r>
-              <a:rPr kumimoji="1" lang="en-US" altLang="ja-JP" sz="3500" dirty="0">
-                <a:solidFill>
-                  <a:srgbClr val="00B0F0"/>
-                </a:solidFill>
-              </a:rPr>
-              <a:t>speed</a:t>
-            </a:r>
-            <a:r>
-              <a:rPr kumimoji="1" lang="ja-JP" altLang="en-US" sz="3500" dirty="0"/>
-              <a:t>を</a:t>
-            </a:r>
-            <a:r>
-              <a:rPr kumimoji="1" lang="en-US" altLang="ja-JP" sz="3500" dirty="0"/>
-              <a:t>private</a:t>
-            </a:r>
-            <a:r>
-              <a:rPr kumimoji="1" lang="ja-JP" altLang="en-US" sz="3500" dirty="0"/>
-              <a:t>に移動し、変数名を</a:t>
-            </a:r>
-            <a:br>
-              <a:rPr kumimoji="1" lang="en-US" altLang="ja-JP" sz="3500" dirty="0"/>
-            </a:br>
-            <a:r>
-              <a:rPr kumimoji="1" lang="en-US" altLang="ja-JP" sz="3500" dirty="0" err="1">
-                <a:solidFill>
-                  <a:srgbClr val="00B0F0"/>
-                </a:solidFill>
-              </a:rPr>
-              <a:t>m_speed</a:t>
-            </a:r>
-            <a:r>
-              <a:rPr kumimoji="1" lang="ja-JP" altLang="en-US" sz="3500" dirty="0"/>
-              <a:t>に変更する</a:t>
-            </a:r>
-            <a:br>
-              <a:rPr kumimoji="1" lang="en-US" altLang="ja-JP" sz="3500" dirty="0"/>
-            </a:br>
-            <a:endParaRPr kumimoji="1" lang="en-US" altLang="ja-JP" sz="3500" dirty="0"/>
-          </a:p>
-          <a:p>
-            <a:pPr marL="742950" indent="-742950">
-              <a:buFont typeface="+mj-ea"/>
-              <a:buAutoNum type="circleNumDbPlain"/>
-            </a:pPr>
-            <a:r>
-              <a:rPr kumimoji="1" lang="en-US" altLang="ja-JP" sz="3500" dirty="0"/>
-              <a:t>car.cpp </a:t>
-            </a:r>
-            <a:r>
-              <a:rPr kumimoji="1" lang="ja-JP" altLang="en-US" sz="3500" dirty="0"/>
-              <a:t>にセッターの処理を追加する</a:t>
-            </a:r>
-            <a:br>
-              <a:rPr kumimoji="1" lang="en-US" altLang="ja-JP" sz="3500" dirty="0"/>
-            </a:br>
-            <a:endParaRPr kumimoji="1" lang="en-US" altLang="ja-JP" sz="3500" dirty="0"/>
-          </a:p>
-          <a:p>
-            <a:pPr marL="742950" indent="-742950">
-              <a:buFont typeface="+mj-ea"/>
-              <a:buAutoNum type="circleNumDbPlain"/>
-            </a:pPr>
-            <a:r>
-              <a:rPr lang="en-US" altLang="ja-JP" sz="3500" dirty="0"/>
-              <a:t>main.cpp </a:t>
-            </a:r>
-            <a:r>
-              <a:rPr lang="ja-JP" altLang="en-US" sz="3500" dirty="0"/>
-              <a:t>を変更してセッターを使って値を代入する</a:t>
-            </a:r>
-            <a:br>
-              <a:rPr lang="en-US" altLang="ja-JP" sz="3500" dirty="0"/>
-            </a:br>
-            <a:r>
-              <a:rPr lang="ja-JP" altLang="en-US" sz="3500" dirty="0"/>
-              <a:t>ように書き換える</a:t>
-            </a:r>
-            <a:endParaRPr kumimoji="1" lang="ja-JP" altLang="en-US" sz="3500" dirty="0"/>
-          </a:p>
-        </p:txBody>
-      </p:sp>
-    </p:spTree>
-    <p:extLst>
-      <p:ext uri="{BB962C8B-B14F-4D97-AF65-F5344CB8AC3E}">
-        <p14:creationId xmlns:p14="http://schemas.microsoft.com/office/powerpoint/2010/main" val="3609728536"/>
-      </p:ext>
-    </p:extLst>
-  </p:cSld>
-  <p:clrMapOvr>
-    <a:masterClrMapping/>
-  </p:clrMapOvr>
-</p:sld>
-</file>
-
-<file path=ppt/slides/slide22.xml><?xml version="1.0" encoding="utf-8"?>
-<p:sld xmlns:a="http://schemas.openxmlformats.org/drawingml/2006/main" xmlns:r="http://schemas.openxmlformats.org/officeDocument/2006/relationships" xmlns:p="http://schemas.openxmlformats.org/presentationml/2006/main">
-  <p:cSld>
-    <p:spTree>
-      <p:nvGrpSpPr>
-        <p:cNvPr id="1" name=""/>
-        <p:cNvGrpSpPr/>
-        <p:nvPr/>
-      </p:nvGrpSpPr>
-      <p:grpSpPr>
-        <a:xfrm>
-          <a:off x="0" y="0"/>
-          <a:ext cx="0" cy="0"/>
-          <a:chOff x="0" y="0"/>
-          <a:chExt cx="0" cy="0"/>
-        </a:xfrm>
-      </p:grpSpPr>
-      <p:sp>
-        <p:nvSpPr>
-          <p:cNvPr id="2" name="タイトル 1">
-            <a:extLst>
-              <a:ext uri="{FF2B5EF4-FFF2-40B4-BE49-F238E27FC236}">
-                <a16:creationId xmlns:a16="http://schemas.microsoft.com/office/drawing/2014/main" id="{F11F3668-F205-48C5-AC01-19611EFE561B}"/>
-              </a:ext>
-            </a:extLst>
-          </p:cNvPr>
-          <p:cNvSpPr>
-            <a:spLocks noGrp="1"/>
-          </p:cNvSpPr>
-          <p:nvPr>
-            <p:ph type="title"/>
-          </p:nvPr>
-        </p:nvSpPr>
-        <p:spPr/>
-        <p:txBody>
-          <a:bodyPr/>
-          <a:lstStyle/>
-          <a:p>
-            <a:r>
-              <a:rPr kumimoji="1" lang="en-US" altLang="ja-JP" dirty="0"/>
-              <a:t>Sample301</a:t>
-            </a:r>
-            <a:r>
-              <a:rPr kumimoji="1" lang="ja-JP" altLang="en-US" dirty="0"/>
-              <a:t>のカプセル化</a:t>
-            </a:r>
-          </a:p>
-        </p:txBody>
-      </p:sp>
-      <p:sp>
-        <p:nvSpPr>
-          <p:cNvPr id="3" name="コンテンツ プレースホルダー 2">
-            <a:extLst>
-              <a:ext uri="{FF2B5EF4-FFF2-40B4-BE49-F238E27FC236}">
-                <a16:creationId xmlns:a16="http://schemas.microsoft.com/office/drawing/2014/main" id="{64DBE417-57E9-44A6-BB52-B2F9986BB7B2}"/>
-              </a:ext>
-            </a:extLst>
-          </p:cNvPr>
-          <p:cNvSpPr>
-            <a:spLocks noGrp="1"/>
-          </p:cNvSpPr>
-          <p:nvPr>
-            <p:ph idx="1"/>
-          </p:nvPr>
-        </p:nvSpPr>
-        <p:spPr/>
-        <p:txBody>
-          <a:bodyPr>
-            <a:normAutofit/>
-          </a:bodyPr>
-          <a:lstStyle/>
-          <a:p>
-            <a:r>
-              <a:rPr kumimoji="1" lang="en-US" altLang="ja-JP" dirty="0" err="1"/>
-              <a:t>car.h</a:t>
-            </a:r>
-            <a:br>
-              <a:rPr lang="en-US" altLang="ja-JP" dirty="0"/>
-            </a:br>
-            <a:endParaRPr lang="en-US" altLang="ja-JP" dirty="0"/>
-          </a:p>
-          <a:p>
-            <a:pPr marL="0" indent="0">
-              <a:buNone/>
-            </a:pPr>
-            <a:br>
-              <a:rPr lang="en-US" altLang="ja-JP" dirty="0"/>
-            </a:br>
-            <a:br>
-              <a:rPr lang="en-US" altLang="ja-JP" dirty="0"/>
-            </a:br>
-            <a:br>
-              <a:rPr lang="en-US" altLang="ja-JP" dirty="0"/>
-            </a:br>
-            <a:br>
-              <a:rPr lang="en-US" altLang="ja-JP" sz="2400" dirty="0"/>
-            </a:br>
-            <a:br>
-              <a:rPr lang="en-US" altLang="ja-JP" sz="2400" dirty="0"/>
-            </a:br>
-            <a:endParaRPr lang="en-US" altLang="ja-JP" sz="2400" dirty="0"/>
-          </a:p>
-          <a:p>
-            <a:pPr marL="0" indent="0">
-              <a:buNone/>
-            </a:pPr>
-            <a:br>
-              <a:rPr lang="en-US" altLang="ja-JP" sz="2400" dirty="0"/>
-            </a:br>
-            <a:endParaRPr lang="en-US" altLang="ja-JP" dirty="0">
-              <a:solidFill>
-                <a:srgbClr val="FF0000"/>
-              </a:solidFill>
-            </a:endParaRPr>
-          </a:p>
-        </p:txBody>
-      </p:sp>
-      <p:sp>
-        <p:nvSpPr>
-          <p:cNvPr id="5" name="テキスト ボックス 4">
-            <a:extLst>
-              <a:ext uri="{FF2B5EF4-FFF2-40B4-BE49-F238E27FC236}">
-                <a16:creationId xmlns:a16="http://schemas.microsoft.com/office/drawing/2014/main" id="{9E32883C-0E37-4F07-9861-27609819CE8C}"/>
-              </a:ext>
-            </a:extLst>
-          </p:cNvPr>
-          <p:cNvSpPr txBox="1"/>
-          <p:nvPr/>
-        </p:nvSpPr>
-        <p:spPr>
-          <a:xfrm>
-            <a:off x="1048255" y="1942532"/>
-            <a:ext cx="10688220" cy="4524315"/>
-          </a:xfrm>
-          <a:prstGeom prst="rect">
-            <a:avLst/>
-          </a:prstGeom>
-          <a:noFill/>
-          <a:ln>
-            <a:solidFill>
-              <a:schemeClr val="tx1"/>
-            </a:solidFill>
-          </a:ln>
-        </p:spPr>
-        <p:txBody>
-          <a:bodyPr wrap="square" rtlCol="0">
-            <a:spAutoFit/>
-          </a:bodyPr>
-          <a:lstStyle/>
-          <a:p>
-            <a:r>
-              <a:rPr kumimoji="1" lang="en-US" altLang="ja-JP" sz="3200" dirty="0"/>
-              <a:t>#pragma once</a:t>
-            </a:r>
-            <a:r>
-              <a:rPr kumimoji="1" lang="ja-JP" altLang="en-US" sz="3200" dirty="0"/>
-              <a:t>　　　　　　</a:t>
-            </a:r>
-            <a:br>
-              <a:rPr kumimoji="1" lang="en-US" altLang="ja-JP" sz="3200" dirty="0">
-                <a:solidFill>
-                  <a:srgbClr val="00B050"/>
-                </a:solidFill>
-              </a:rPr>
-            </a:br>
-            <a:endParaRPr kumimoji="1" lang="en-US" altLang="ja-JP" sz="3200" dirty="0"/>
-          </a:p>
-          <a:p>
-            <a:r>
-              <a:rPr kumimoji="1" lang="en-US" altLang="ja-JP" sz="3200" dirty="0"/>
-              <a:t>class Car {</a:t>
-            </a:r>
-          </a:p>
-          <a:p>
-            <a:r>
-              <a:rPr kumimoji="1" lang="en-US" altLang="ja-JP" sz="3200" dirty="0"/>
-              <a:t>public:</a:t>
-            </a:r>
-          </a:p>
-          <a:p>
-            <a:r>
-              <a:rPr kumimoji="1" lang="ja-JP" altLang="en-US" sz="3200" dirty="0"/>
-              <a:t>　　　　</a:t>
-            </a:r>
-            <a:r>
-              <a:rPr kumimoji="1" lang="en-US" altLang="ja-JP" sz="3200" dirty="0"/>
-              <a:t>void drive(double hour);</a:t>
-            </a:r>
-          </a:p>
-          <a:p>
-            <a:r>
-              <a:rPr kumimoji="1" lang="ja-JP" altLang="en-US" sz="3200" dirty="0"/>
-              <a:t>　　　　</a:t>
-            </a:r>
-            <a:r>
-              <a:rPr kumimoji="1" lang="en-US" altLang="ja-JP" sz="3200" dirty="0">
-                <a:solidFill>
-                  <a:srgbClr val="FF0000"/>
-                </a:solidFill>
-              </a:rPr>
-              <a:t>void </a:t>
-            </a:r>
-            <a:r>
-              <a:rPr kumimoji="1" lang="en-US" altLang="ja-JP" sz="3200" dirty="0" err="1">
-                <a:solidFill>
-                  <a:srgbClr val="FF0000"/>
-                </a:solidFill>
-              </a:rPr>
-              <a:t>setSpeed</a:t>
-            </a:r>
-            <a:r>
-              <a:rPr kumimoji="1" lang="en-US" altLang="ja-JP" sz="3200" dirty="0">
-                <a:solidFill>
-                  <a:srgbClr val="FF0000"/>
-                </a:solidFill>
-              </a:rPr>
-              <a:t>(double speed);</a:t>
-            </a:r>
-          </a:p>
-          <a:p>
-            <a:r>
-              <a:rPr kumimoji="1" lang="en-US" altLang="ja-JP" sz="3200" dirty="0">
-                <a:solidFill>
-                  <a:srgbClr val="00B050"/>
-                </a:solidFill>
-              </a:rPr>
-              <a:t>private:</a:t>
-            </a:r>
-          </a:p>
-          <a:p>
-            <a:r>
-              <a:rPr kumimoji="1" lang="en-US" altLang="ja-JP" sz="3200" dirty="0"/>
-              <a:t>    double </a:t>
-            </a:r>
-            <a:r>
-              <a:rPr kumimoji="1" lang="en-US" altLang="ja-JP" sz="3200" dirty="0" err="1">
-                <a:solidFill>
-                  <a:srgbClr val="00B0F0"/>
-                </a:solidFill>
-              </a:rPr>
-              <a:t>m_speed</a:t>
-            </a:r>
-            <a:r>
-              <a:rPr kumimoji="1" lang="en-US" altLang="ja-JP" sz="3200" dirty="0"/>
-              <a:t>;</a:t>
-            </a:r>
-          </a:p>
-          <a:p>
-            <a:r>
-              <a:rPr kumimoji="1" lang="en-US" altLang="ja-JP" sz="3200" dirty="0"/>
-              <a:t>};</a:t>
-            </a:r>
-            <a:endParaRPr kumimoji="1" lang="ja-JP" altLang="en-US" sz="3200" dirty="0"/>
-          </a:p>
-        </p:txBody>
-      </p:sp>
-    </p:spTree>
-    <p:extLst>
-      <p:ext uri="{BB962C8B-B14F-4D97-AF65-F5344CB8AC3E}">
-        <p14:creationId xmlns:p14="http://schemas.microsoft.com/office/powerpoint/2010/main" val="2025970468"/>
-      </p:ext>
-    </p:extLst>
-  </p:cSld>
-  <p:clrMapOvr>
-    <a:masterClrMapping/>
-  </p:clrMapOvr>
-</p:sld>
-</file>
-
 <file path=ppt/slides/slide23.xml><?xml version="1.0" encoding="utf-8"?>
 <p:sld xmlns:a="http://schemas.openxmlformats.org/drawingml/2006/main" xmlns:r="http://schemas.openxmlformats.org/officeDocument/2006/relationships" xmlns:p="http://schemas.openxmlformats.org/presentationml/2006/main">
   <p:cSld>
@@ -7973,7 +7818,7 @@
           <p:cNvPr id="2" name="タイトル 1">
             <a:extLst>
               <a:ext uri="{FF2B5EF4-FFF2-40B4-BE49-F238E27FC236}">
-                <a16:creationId xmlns:a16="http://schemas.microsoft.com/office/drawing/2014/main" id="{F11F3668-F205-48C5-AC01-19611EFE561B}"/>
+                <a16:creationId xmlns:a16="http://schemas.microsoft.com/office/drawing/2014/main" id="{EC1D9B36-FFC2-4D52-A2A6-FEEE7804F5FA}"/>
               </a:ext>
             </a:extLst>
           </p:cNvPr>
@@ -7990,12 +7835,8 @@
           <a:lstStyle/>
           <a:p>
             <a:r>
-              <a:rPr kumimoji="1" lang="en-US" altLang="ja-JP" dirty="0"/>
-              <a:t>Sample301</a:t>
-            </a:r>
-            <a:r>
               <a:rPr kumimoji="1" lang="ja-JP" altLang="en-US" dirty="0"/>
-              <a:t>のカプセル化</a:t>
+              <a:t>アクセス指定子とカプセル化</a:t>
             </a:r>
           </a:p>
         </p:txBody>
@@ -8005,7 +7846,7 @@
           <p:cNvPr id="3" name="コンテンツ プレースホルダー 2">
             <a:extLst>
               <a:ext uri="{FF2B5EF4-FFF2-40B4-BE49-F238E27FC236}">
-                <a16:creationId xmlns:a16="http://schemas.microsoft.com/office/drawing/2014/main" id="{64DBE417-57E9-44A6-BB52-B2F9986BB7B2}"/>
+                <a16:creationId xmlns:a16="http://schemas.microsoft.com/office/drawing/2014/main" id="{534285BC-9209-40FB-8017-B7672579046F}"/>
               </a:ext>
             </a:extLst>
           </p:cNvPr>
@@ -8016,333 +7857,189 @@
             <p:ph idx="1"/>
           </p:nvPr>
         </p:nvSpPr>
-        <p:spPr/>
-        <p:txBody>
-          <a:bodyPr>
-            <a:normAutofit/>
-          </a:bodyPr>
-          <a:lstStyle/>
-          <a:p>
-            <a:r>
-              <a:rPr kumimoji="1" lang="en-US" altLang="ja-JP" dirty="0"/>
-              <a:t>car.cpp</a:t>
-            </a:r>
-            <a:br>
-              <a:rPr lang="en-US" altLang="ja-JP" dirty="0"/>
-            </a:br>
-            <a:endParaRPr lang="en-US" altLang="ja-JP" dirty="0"/>
-          </a:p>
-          <a:p>
-            <a:pPr marL="0" indent="0">
-              <a:buNone/>
-            </a:pPr>
-            <a:br>
-              <a:rPr lang="en-US" altLang="ja-JP" dirty="0"/>
-            </a:br>
-            <a:br>
-              <a:rPr lang="en-US" altLang="ja-JP" dirty="0"/>
-            </a:br>
-            <a:br>
-              <a:rPr lang="en-US" altLang="ja-JP" dirty="0"/>
-            </a:br>
-            <a:br>
-              <a:rPr lang="en-US" altLang="ja-JP" sz="2400" dirty="0"/>
-            </a:br>
-            <a:br>
-              <a:rPr lang="en-US" altLang="ja-JP" sz="2400" dirty="0"/>
-            </a:br>
-            <a:endParaRPr lang="en-US" altLang="ja-JP" sz="2400" dirty="0"/>
-          </a:p>
-          <a:p>
-            <a:pPr marL="0" indent="0">
-              <a:buNone/>
-            </a:pPr>
-            <a:br>
-              <a:rPr lang="en-US" altLang="ja-JP" sz="2400" dirty="0"/>
-            </a:br>
-            <a:br>
-              <a:rPr lang="en-US" altLang="ja-JP" sz="2400" dirty="0"/>
-            </a:br>
-            <a:endParaRPr lang="en-US" altLang="ja-JP" dirty="0">
-              <a:solidFill>
-                <a:srgbClr val="FF0000"/>
-              </a:solidFill>
-            </a:endParaRPr>
-          </a:p>
-        </p:txBody>
-      </p:sp>
-      <p:sp>
-        <p:nvSpPr>
-          <p:cNvPr id="5" name="テキスト ボックス 4">
-            <a:extLst>
-              <a:ext uri="{FF2B5EF4-FFF2-40B4-BE49-F238E27FC236}">
-                <a16:creationId xmlns:a16="http://schemas.microsoft.com/office/drawing/2014/main" id="{9E32883C-0E37-4F07-9861-27609819CE8C}"/>
-              </a:ext>
-            </a:extLst>
-          </p:cNvPr>
-          <p:cNvSpPr txBox="1"/>
-          <p:nvPr/>
-        </p:nvSpPr>
         <p:spPr>
           <a:xfrm>
-            <a:off x="1048254" y="1942532"/>
-            <a:ext cx="10768607" cy="4524315"/>
+            <a:off x="838199" y="1376038"/>
+            <a:ext cx="11239919" cy="4980311"/>
           </a:xfrm>
-          <a:prstGeom prst="rect">
-            <a:avLst/>
-          </a:prstGeom>
-          <a:noFill/>
-          <a:ln>
-            <a:solidFill>
-              <a:schemeClr val="tx1"/>
-            </a:solidFill>
-          </a:ln>
         </p:spPr>
         <p:txBody>
-          <a:bodyPr wrap="square" rtlCol="0">
-            <a:spAutoFit/>
+          <a:bodyPr>
+            <a:normAutofit fontScale="92500" lnSpcReduction="10000"/>
           </a:bodyPr>
           <a:lstStyle/>
           <a:p>
             <a:r>
-              <a:rPr kumimoji="1" lang="en-US" altLang="ja-JP" sz="2400" dirty="0"/>
-              <a:t>#include “</a:t>
-            </a:r>
-            <a:r>
-              <a:rPr kumimoji="1" lang="en-US" altLang="ja-JP" sz="2400" dirty="0" err="1"/>
+              <a:rPr kumimoji="1" lang="en-US" altLang="ja-JP" dirty="0"/>
+              <a:t>【</a:t>
+            </a:r>
+            <a:r>
+              <a:rPr kumimoji="1" lang="ja-JP" altLang="en-US" dirty="0"/>
+              <a:t>練習</a:t>
+            </a:r>
+            <a:r>
+              <a:rPr kumimoji="1" lang="en-US" altLang="ja-JP" dirty="0"/>
+              <a:t>】</a:t>
+            </a:r>
+            <a:r>
+              <a:rPr kumimoji="1" lang="ja-JP" altLang="en-US" dirty="0"/>
+              <a:t>　</a:t>
+            </a:r>
+            <a:r>
+              <a:rPr kumimoji="1" lang="en-US" altLang="ja-JP" dirty="0"/>
+              <a:t>Sample301</a:t>
+            </a:r>
+            <a:r>
+              <a:rPr kumimoji="1" lang="ja-JP" altLang="en-US" dirty="0"/>
+              <a:t>のカプセル化</a:t>
+            </a:r>
+            <a:endParaRPr kumimoji="1" lang="en-US" altLang="ja-JP" sz="3500" dirty="0"/>
+          </a:p>
+          <a:p>
+            <a:pPr marL="742950" indent="-742950">
+              <a:buFont typeface="+mj-ea"/>
+              <a:buAutoNum type="circleNumDbPlain"/>
+            </a:pPr>
+            <a:r>
+              <a:rPr kumimoji="1" lang="en-US" altLang="ja-JP" sz="3500" dirty="0" err="1"/>
               <a:t>car.h</a:t>
             </a:r>
             <a:r>
-              <a:rPr kumimoji="1" lang="en-US" altLang="ja-JP" sz="2400" dirty="0"/>
-              <a:t>”</a:t>
-            </a:r>
-          </a:p>
-          <a:p>
-            <a:r>
-              <a:rPr kumimoji="1" lang="en-US" altLang="ja-JP" sz="2400" dirty="0"/>
-              <a:t>#include &lt;iostream&gt; </a:t>
-            </a:r>
-            <a:r>
-              <a:rPr kumimoji="1" lang="ja-JP" altLang="en-US" sz="2400" dirty="0"/>
-              <a:t>　　　</a:t>
-            </a:r>
-            <a:endParaRPr kumimoji="1" lang="en-US" altLang="ja-JP" sz="2400" dirty="0"/>
-          </a:p>
-          <a:p>
-            <a:r>
-              <a:rPr kumimoji="1" lang="en-US" altLang="ja-JP" sz="2400" dirty="0"/>
-              <a:t>using namespace std;</a:t>
-            </a:r>
-            <a:br>
-              <a:rPr kumimoji="1" lang="en-US" altLang="ja-JP" sz="2400" dirty="0"/>
-            </a:br>
-            <a:br>
-              <a:rPr kumimoji="1" lang="en-US" altLang="ja-JP" sz="2400" dirty="0"/>
-            </a:br>
-            <a:r>
-              <a:rPr kumimoji="1" lang="en-US" altLang="ja-JP" sz="2400" dirty="0"/>
-              <a:t>void Car::drive(double hour){</a:t>
-            </a:r>
-          </a:p>
-          <a:p>
-            <a:r>
-              <a:rPr kumimoji="1" lang="en-US" altLang="ja-JP" sz="2400" dirty="0"/>
-              <a:t>    </a:t>
-            </a:r>
-            <a:r>
-              <a:rPr kumimoji="1" lang="en-US" altLang="ja-JP" sz="2400" dirty="0" err="1"/>
-              <a:t>cout</a:t>
-            </a:r>
-            <a:r>
-              <a:rPr kumimoji="1" lang="en-US" altLang="ja-JP" sz="2400" dirty="0"/>
-              <a:t> &lt;&lt; “</a:t>
-            </a:r>
-            <a:r>
-              <a:rPr kumimoji="1" lang="ja-JP" altLang="en-US" sz="2400" dirty="0"/>
-              <a:t>時速</a:t>
-            </a:r>
-            <a:r>
-              <a:rPr kumimoji="1" lang="en-US" altLang="ja-JP" sz="2400" dirty="0"/>
-              <a:t>” &lt;&lt; </a:t>
-            </a:r>
-            <a:r>
-              <a:rPr kumimoji="1" lang="en-US" altLang="ja-JP" sz="2400" dirty="0" err="1">
+              <a:rPr kumimoji="1" lang="ja-JP" altLang="en-US" sz="3500" dirty="0"/>
+              <a:t> </a:t>
+            </a:r>
+            <a:r>
+              <a:rPr lang="ja-JP" altLang="en-US" sz="3500" dirty="0"/>
+              <a:t>内に</a:t>
+            </a:r>
+            <a:r>
+              <a:rPr lang="en-US" altLang="ja-JP" sz="3500" dirty="0"/>
+              <a:t>public</a:t>
+            </a:r>
+            <a:r>
+              <a:rPr lang="ja-JP" altLang="en-US" sz="3500" dirty="0"/>
+              <a:t>な</a:t>
+            </a:r>
+            <a:r>
+              <a:rPr kumimoji="1" lang="ja-JP" altLang="en-US" sz="3500" dirty="0"/>
+              <a:t>セッター（</a:t>
+            </a:r>
+            <a:r>
+              <a:rPr kumimoji="1" lang="en-US" altLang="ja-JP" sz="3500" dirty="0" err="1">
+                <a:solidFill>
+                  <a:srgbClr val="FF0000"/>
+                </a:solidFill>
+              </a:rPr>
+              <a:t>setSpeed</a:t>
+            </a:r>
+            <a:r>
+              <a:rPr kumimoji="1" lang="ja-JP" altLang="en-US" sz="3500" dirty="0"/>
+              <a:t>）を定義する</a:t>
+            </a:r>
+            <a:br>
+              <a:rPr kumimoji="1" lang="en-US" altLang="ja-JP" sz="3500" dirty="0"/>
+            </a:br>
+            <a:endParaRPr kumimoji="1" lang="en-US" altLang="ja-JP" sz="3500" dirty="0"/>
+          </a:p>
+          <a:p>
+            <a:pPr marL="742950" indent="-742950">
+              <a:buFont typeface="+mj-ea"/>
+              <a:buAutoNum type="circleNumDbPlain"/>
+            </a:pPr>
+            <a:r>
+              <a:rPr kumimoji="1" lang="en-US" altLang="ja-JP" sz="3500" dirty="0"/>
+              <a:t>public</a:t>
+            </a:r>
+            <a:r>
+              <a:rPr kumimoji="1" lang="ja-JP" altLang="en-US" sz="3500" dirty="0"/>
+              <a:t>な</a:t>
+            </a:r>
+            <a:r>
+              <a:rPr kumimoji="1" lang="en-US" altLang="ja-JP" sz="3500" dirty="0">
                 <a:solidFill>
                   <a:srgbClr val="00B0F0"/>
                 </a:solidFill>
               </a:rPr>
+              <a:t>speed</a:t>
+            </a:r>
+            <a:r>
+              <a:rPr kumimoji="1" lang="ja-JP" altLang="en-US" sz="3500" dirty="0"/>
+              <a:t>を</a:t>
+            </a:r>
+            <a:r>
+              <a:rPr kumimoji="1" lang="en-US" altLang="ja-JP" sz="3500" dirty="0"/>
+              <a:t>private</a:t>
+            </a:r>
+            <a:r>
+              <a:rPr kumimoji="1" lang="ja-JP" altLang="en-US" sz="3500" dirty="0"/>
+              <a:t>に移動し、変数名を</a:t>
+            </a:r>
+            <a:br>
+              <a:rPr kumimoji="1" lang="en-US" altLang="ja-JP" sz="3500" dirty="0"/>
+            </a:br>
+            <a:r>
+              <a:rPr kumimoji="1" lang="en-US" altLang="ja-JP" sz="3500" dirty="0" err="1">
+                <a:solidFill>
+                  <a:srgbClr val="00B0F0"/>
+                </a:solidFill>
+              </a:rPr>
               <a:t>m_speed</a:t>
             </a:r>
             <a:r>
-              <a:rPr kumimoji="1" lang="en-US" altLang="ja-JP" sz="2400" dirty="0">
-                <a:solidFill>
-                  <a:srgbClr val="00B0F0"/>
-                </a:solidFill>
-              </a:rPr>
-              <a:t> </a:t>
-            </a:r>
-            <a:r>
-              <a:rPr kumimoji="1" lang="en-US" altLang="ja-JP" sz="2400" dirty="0"/>
-              <a:t>&lt;&lt; “km</a:t>
-            </a:r>
-            <a:r>
-              <a:rPr kumimoji="1" lang="ja-JP" altLang="en-US" sz="2400" dirty="0"/>
-              <a:t>で</a:t>
-            </a:r>
-            <a:r>
-              <a:rPr kumimoji="1" lang="en-US" altLang="ja-JP" sz="2400" dirty="0"/>
-              <a:t>” &lt;&lt;</a:t>
-            </a:r>
-            <a:br>
-              <a:rPr kumimoji="1" lang="en-US" altLang="ja-JP" sz="2400" dirty="0"/>
-            </a:br>
-            <a:r>
-              <a:rPr kumimoji="1" lang="en-US" altLang="ja-JP" sz="2400" dirty="0"/>
-              <a:t>         hour &lt;&lt; “</a:t>
-            </a:r>
-            <a:r>
-              <a:rPr kumimoji="1" lang="ja-JP" altLang="en-US" sz="2400" dirty="0"/>
-              <a:t>時間走行</a:t>
-            </a:r>
-            <a:r>
-              <a:rPr kumimoji="1" lang="en-US" altLang="ja-JP" sz="2400" dirty="0"/>
-              <a:t>” &lt;&lt; </a:t>
-            </a:r>
-            <a:r>
-              <a:rPr kumimoji="1" lang="en-US" altLang="ja-JP" sz="2400" dirty="0" err="1"/>
-              <a:t>endl</a:t>
-            </a:r>
-            <a:r>
-              <a:rPr kumimoji="1" lang="en-US" altLang="ja-JP" sz="2400" dirty="0"/>
-              <a:t>;</a:t>
-            </a:r>
-            <a:br>
-              <a:rPr kumimoji="1" lang="en-US" altLang="ja-JP" sz="2400" dirty="0"/>
-            </a:br>
-            <a:r>
-              <a:rPr kumimoji="1" lang="en-US" altLang="ja-JP" sz="2400" dirty="0"/>
-              <a:t>    </a:t>
-            </a:r>
-            <a:r>
-              <a:rPr kumimoji="1" lang="en-US" altLang="ja-JP" sz="2400" dirty="0" err="1"/>
-              <a:t>cout</a:t>
-            </a:r>
-            <a:r>
-              <a:rPr kumimoji="1" lang="en-US" altLang="ja-JP" sz="2400" dirty="0"/>
-              <a:t> &lt;&lt; </a:t>
-            </a:r>
-            <a:r>
-              <a:rPr kumimoji="1" lang="en-US" altLang="ja-JP" sz="2400" dirty="0" err="1">
-                <a:solidFill>
-                  <a:srgbClr val="00B0F0"/>
-                </a:solidFill>
-              </a:rPr>
-              <a:t>m_speed</a:t>
-            </a:r>
-            <a:r>
-              <a:rPr kumimoji="1" lang="ja-JP" altLang="en-US" sz="2400" dirty="0">
-                <a:solidFill>
-                  <a:srgbClr val="00B0F0"/>
-                </a:solidFill>
-              </a:rPr>
-              <a:t> </a:t>
-            </a:r>
-            <a:r>
-              <a:rPr kumimoji="1" lang="en-US" altLang="ja-JP" sz="2400" dirty="0"/>
-              <a:t>* hour &lt;&lt; “km</a:t>
-            </a:r>
-            <a:r>
-              <a:rPr kumimoji="1" lang="ja-JP" altLang="en-US" sz="2400" dirty="0"/>
-              <a:t>移動</a:t>
-            </a:r>
-            <a:r>
-              <a:rPr kumimoji="1" lang="en-US" altLang="ja-JP" sz="2400" dirty="0"/>
-              <a:t>” &lt;&lt; </a:t>
-            </a:r>
-            <a:r>
-              <a:rPr kumimoji="1" lang="en-US" altLang="ja-JP" sz="2400" dirty="0" err="1"/>
-              <a:t>endl</a:t>
-            </a:r>
-            <a:r>
-              <a:rPr kumimoji="1" lang="en-US" altLang="ja-JP" sz="2400" dirty="0"/>
-              <a:t>;</a:t>
-            </a:r>
-            <a:br>
-              <a:rPr kumimoji="1" lang="en-US" altLang="ja-JP" sz="2400" dirty="0"/>
-            </a:br>
-            <a:r>
-              <a:rPr kumimoji="1" lang="en-US" altLang="ja-JP" sz="2400" dirty="0"/>
-              <a:t>}</a:t>
-            </a:r>
-          </a:p>
-          <a:p>
-            <a:r>
-              <a:rPr kumimoji="1" lang="en-US" altLang="ja-JP" sz="2400" dirty="0">
-                <a:solidFill>
-                  <a:srgbClr val="FF0000"/>
-                </a:solidFill>
-              </a:rPr>
-              <a:t>void Car::</a:t>
-            </a:r>
-            <a:r>
-              <a:rPr kumimoji="1" lang="en-US" altLang="ja-JP" sz="2400" dirty="0" err="1">
-                <a:solidFill>
-                  <a:srgbClr val="FF0000"/>
-                </a:solidFill>
-              </a:rPr>
-              <a:t>setSpeed</a:t>
-            </a:r>
-            <a:r>
-              <a:rPr kumimoji="1" lang="en-US" altLang="ja-JP" sz="2400" dirty="0">
-                <a:solidFill>
-                  <a:srgbClr val="FF0000"/>
-                </a:solidFill>
-              </a:rPr>
-              <a:t>(double speed){</a:t>
-            </a:r>
-          </a:p>
-          <a:p>
-            <a:r>
-              <a:rPr kumimoji="1" lang="en-US" altLang="ja-JP" sz="2400" dirty="0">
-                <a:solidFill>
-                  <a:srgbClr val="FF0000"/>
-                </a:solidFill>
-              </a:rPr>
-              <a:t>    </a:t>
-            </a:r>
-            <a:r>
-              <a:rPr kumimoji="1" lang="en-US" altLang="ja-JP" sz="2400" dirty="0" err="1">
-                <a:solidFill>
-                  <a:srgbClr val="FF0000"/>
-                </a:solidFill>
-              </a:rPr>
-              <a:t>m_speed</a:t>
-            </a:r>
-            <a:r>
-              <a:rPr kumimoji="1" lang="en-US" altLang="ja-JP" sz="2400" dirty="0">
-                <a:solidFill>
-                  <a:srgbClr val="FF0000"/>
-                </a:solidFill>
-              </a:rPr>
-              <a:t> = speed;</a:t>
-            </a:r>
-          </a:p>
-          <a:p>
-            <a:r>
-              <a:rPr kumimoji="1" lang="en-US" altLang="ja-JP" sz="2400" dirty="0">
-                <a:solidFill>
-                  <a:srgbClr val="FF0000"/>
-                </a:solidFill>
-              </a:rPr>
-              <a:t>}</a:t>
-            </a:r>
+              <a:rPr kumimoji="1" lang="ja-JP" altLang="en-US" sz="3500" dirty="0"/>
+              <a:t>に変更する</a:t>
+            </a:r>
+            <a:br>
+              <a:rPr kumimoji="1" lang="en-US" altLang="ja-JP" sz="3500" dirty="0"/>
+            </a:br>
+            <a:endParaRPr kumimoji="1" lang="en-US" altLang="ja-JP" sz="3500" dirty="0"/>
+          </a:p>
+          <a:p>
+            <a:pPr marL="742950" indent="-742950">
+              <a:buFont typeface="+mj-ea"/>
+              <a:buAutoNum type="circleNumDbPlain"/>
+            </a:pPr>
+            <a:r>
+              <a:rPr kumimoji="1" lang="en-US" altLang="ja-JP" sz="3500" dirty="0"/>
+              <a:t>car.cpp </a:t>
+            </a:r>
+            <a:r>
+              <a:rPr kumimoji="1" lang="ja-JP" altLang="en-US" sz="3500" dirty="0"/>
+              <a:t>にセッターの処理を追加する</a:t>
+            </a:r>
+            <a:br>
+              <a:rPr kumimoji="1" lang="en-US" altLang="ja-JP" sz="3500" dirty="0"/>
+            </a:br>
+            <a:endParaRPr kumimoji="1" lang="en-US" altLang="ja-JP" sz="3500" dirty="0"/>
+          </a:p>
+          <a:p>
+            <a:pPr marL="742950" indent="-742950">
+              <a:buFont typeface="+mj-ea"/>
+              <a:buAutoNum type="circleNumDbPlain"/>
+            </a:pPr>
+            <a:r>
+              <a:rPr lang="en-US" altLang="ja-JP" sz="3500" dirty="0"/>
+              <a:t>main.cpp </a:t>
+            </a:r>
+            <a:r>
+              <a:rPr lang="ja-JP" altLang="en-US" sz="3500" dirty="0"/>
+              <a:t>を変更してセッターを使って値を代入する</a:t>
+            </a:r>
+            <a:br>
+              <a:rPr lang="en-US" altLang="ja-JP" sz="3500" dirty="0"/>
+            </a:br>
+            <a:r>
+              <a:rPr lang="ja-JP" altLang="en-US" sz="3500" dirty="0"/>
+              <a:t>ように書き換える</a:t>
+            </a:r>
+            <a:endParaRPr kumimoji="1" lang="ja-JP" altLang="en-US" sz="3500" dirty="0"/>
           </a:p>
         </p:txBody>
       </p:sp>
     </p:spTree>
     <p:extLst>
       <p:ext uri="{BB962C8B-B14F-4D97-AF65-F5344CB8AC3E}">
-        <p14:creationId xmlns:p14="http://schemas.microsoft.com/office/powerpoint/2010/main" val="2040475995"/>
+        <p14:creationId xmlns:p14="http://schemas.microsoft.com/office/powerpoint/2010/main" val="3609728536"/>
       </p:ext>
     </p:extLst>
   </p:cSld>
@@ -8425,8 +8122,690 @@
           <a:lstStyle/>
           <a:p>
             <a:r>
+              <a:rPr kumimoji="1" lang="en-US" altLang="ja-JP" dirty="0" err="1"/>
+              <a:t>car.h</a:t>
+            </a:r>
+            <a:r>
+              <a:rPr lang="en-US" altLang="ja-JP" dirty="0"/>
+              <a:t> (Sample301c)</a:t>
+            </a:r>
+            <a:br>
+              <a:rPr lang="en-US" altLang="ja-JP" dirty="0"/>
+            </a:br>
+            <a:endParaRPr lang="en-US" altLang="ja-JP" dirty="0"/>
+          </a:p>
+          <a:p>
+            <a:pPr marL="0" indent="0">
+              <a:buNone/>
+            </a:pPr>
+            <a:br>
+              <a:rPr lang="en-US" altLang="ja-JP" dirty="0"/>
+            </a:br>
+            <a:br>
+              <a:rPr lang="en-US" altLang="ja-JP" dirty="0"/>
+            </a:br>
+            <a:br>
+              <a:rPr lang="en-US" altLang="ja-JP" dirty="0"/>
+            </a:br>
+            <a:br>
+              <a:rPr lang="en-US" altLang="ja-JP" sz="2400" dirty="0"/>
+            </a:br>
+            <a:br>
+              <a:rPr lang="en-US" altLang="ja-JP" sz="2400" dirty="0"/>
+            </a:br>
+            <a:endParaRPr lang="en-US" altLang="ja-JP" sz="2400" dirty="0"/>
+          </a:p>
+          <a:p>
+            <a:pPr marL="0" indent="0">
+              <a:buNone/>
+            </a:pPr>
+            <a:br>
+              <a:rPr lang="en-US" altLang="ja-JP" sz="2400" dirty="0"/>
+            </a:br>
+            <a:endParaRPr lang="en-US" altLang="ja-JP" dirty="0">
+              <a:solidFill>
+                <a:srgbClr val="FF0000"/>
+              </a:solidFill>
+            </a:endParaRPr>
+          </a:p>
+        </p:txBody>
+      </p:sp>
+      <p:sp>
+        <p:nvSpPr>
+          <p:cNvPr id="5" name="テキスト ボックス 4">
+            <a:extLst>
+              <a:ext uri="{FF2B5EF4-FFF2-40B4-BE49-F238E27FC236}">
+                <a16:creationId xmlns:a16="http://schemas.microsoft.com/office/drawing/2014/main" id="{9E32883C-0E37-4F07-9861-27609819CE8C}"/>
+              </a:ext>
+            </a:extLst>
+          </p:cNvPr>
+          <p:cNvSpPr txBox="1"/>
+          <p:nvPr/>
+        </p:nvSpPr>
+        <p:spPr>
+          <a:xfrm>
+            <a:off x="1048255" y="1942532"/>
+            <a:ext cx="10688220" cy="4524315"/>
+          </a:xfrm>
+          <a:prstGeom prst="rect">
+            <a:avLst/>
+          </a:prstGeom>
+          <a:noFill/>
+          <a:ln>
+            <a:solidFill>
+              <a:schemeClr val="tx1"/>
+            </a:solidFill>
+          </a:ln>
+        </p:spPr>
+        <p:txBody>
+          <a:bodyPr wrap="square" rtlCol="0">
+            <a:spAutoFit/>
+          </a:bodyPr>
+          <a:lstStyle/>
+          <a:p>
+            <a:r>
+              <a:rPr kumimoji="1" lang="en-US" altLang="ja-JP" sz="3200" dirty="0"/>
+              <a:t>#pragma once</a:t>
+            </a:r>
+            <a:r>
+              <a:rPr kumimoji="1" lang="ja-JP" altLang="en-US" sz="3200" dirty="0"/>
+              <a:t>　　　　　　</a:t>
+            </a:r>
+            <a:br>
+              <a:rPr kumimoji="1" lang="en-US" altLang="ja-JP" sz="3200" dirty="0">
+                <a:solidFill>
+                  <a:srgbClr val="00B050"/>
+                </a:solidFill>
+              </a:rPr>
+            </a:br>
+            <a:endParaRPr kumimoji="1" lang="en-US" altLang="ja-JP" sz="3200" dirty="0"/>
+          </a:p>
+          <a:p>
+            <a:r>
+              <a:rPr kumimoji="1" lang="en-US" altLang="ja-JP" sz="3200" dirty="0"/>
+              <a:t>class Car {</a:t>
+            </a:r>
+          </a:p>
+          <a:p>
+            <a:r>
+              <a:rPr kumimoji="1" lang="en-US" altLang="ja-JP" sz="3200" dirty="0"/>
+              <a:t>public:</a:t>
+            </a:r>
+          </a:p>
+          <a:p>
+            <a:r>
+              <a:rPr kumimoji="1" lang="ja-JP" altLang="en-US" sz="3200" dirty="0"/>
+              <a:t>　　　　</a:t>
+            </a:r>
+            <a:r>
+              <a:rPr kumimoji="1" lang="en-US" altLang="ja-JP" sz="3200" dirty="0"/>
+              <a:t>void drive(double hour);</a:t>
+            </a:r>
+          </a:p>
+          <a:p>
+            <a:r>
+              <a:rPr kumimoji="1" lang="ja-JP" altLang="en-US" sz="3200" dirty="0"/>
+              <a:t>　　　　</a:t>
+            </a:r>
+            <a:r>
+              <a:rPr kumimoji="1" lang="en-US" altLang="ja-JP" sz="3200" dirty="0">
+                <a:solidFill>
+                  <a:srgbClr val="FF0000"/>
+                </a:solidFill>
+              </a:rPr>
+              <a:t>void </a:t>
+            </a:r>
+            <a:r>
+              <a:rPr kumimoji="1" lang="en-US" altLang="ja-JP" sz="3200" dirty="0" err="1">
+                <a:solidFill>
+                  <a:srgbClr val="FF0000"/>
+                </a:solidFill>
+              </a:rPr>
+              <a:t>setSpeed</a:t>
+            </a:r>
+            <a:r>
+              <a:rPr kumimoji="1" lang="en-US" altLang="ja-JP" sz="3200" dirty="0">
+                <a:solidFill>
+                  <a:srgbClr val="FF0000"/>
+                </a:solidFill>
+              </a:rPr>
+              <a:t>(double speed);</a:t>
+            </a:r>
+          </a:p>
+          <a:p>
+            <a:r>
+              <a:rPr kumimoji="1" lang="en-US" altLang="ja-JP" sz="3200" dirty="0">
+                <a:solidFill>
+                  <a:srgbClr val="00B050"/>
+                </a:solidFill>
+              </a:rPr>
+              <a:t>private:</a:t>
+            </a:r>
+          </a:p>
+          <a:p>
+            <a:r>
+              <a:rPr kumimoji="1" lang="en-US" altLang="ja-JP" sz="3200" dirty="0"/>
+              <a:t>    double </a:t>
+            </a:r>
+            <a:r>
+              <a:rPr kumimoji="1" lang="en-US" altLang="ja-JP" sz="3200" dirty="0" err="1">
+                <a:solidFill>
+                  <a:srgbClr val="00B0F0"/>
+                </a:solidFill>
+              </a:rPr>
+              <a:t>m_speed</a:t>
+            </a:r>
+            <a:r>
+              <a:rPr kumimoji="1" lang="en-US" altLang="ja-JP" sz="3200" dirty="0"/>
+              <a:t>;</a:t>
+            </a:r>
+          </a:p>
+          <a:p>
+            <a:r>
+              <a:rPr kumimoji="1" lang="en-US" altLang="ja-JP" sz="3200" dirty="0"/>
+              <a:t>};</a:t>
+            </a:r>
+            <a:endParaRPr kumimoji="1" lang="ja-JP" altLang="en-US" sz="3200" dirty="0"/>
+          </a:p>
+        </p:txBody>
+      </p:sp>
+    </p:spTree>
+    <p:extLst>
+      <p:ext uri="{BB962C8B-B14F-4D97-AF65-F5344CB8AC3E}">
+        <p14:creationId xmlns:p14="http://schemas.microsoft.com/office/powerpoint/2010/main" val="2025970468"/>
+      </p:ext>
+    </p:extLst>
+  </p:cSld>
+  <p:clrMapOvr>
+    <a:masterClrMapping/>
+  </p:clrMapOvr>
+</p:sld>
+</file>
+
+<file path=ppt/slides/slide25.xml><?xml version="1.0" encoding="utf-8"?>
+<p:sld xmlns:a="http://schemas.openxmlformats.org/drawingml/2006/main" xmlns:r="http://schemas.openxmlformats.org/officeDocument/2006/relationships" xmlns:p="http://schemas.openxmlformats.org/presentationml/2006/main">
+  <p:cSld>
+    <p:spTree>
+      <p:nvGrpSpPr>
+        <p:cNvPr id="1" name=""/>
+        <p:cNvGrpSpPr/>
+        <p:nvPr/>
+      </p:nvGrpSpPr>
+      <p:grpSpPr>
+        <a:xfrm>
+          <a:off x="0" y="0"/>
+          <a:ext cx="0" cy="0"/>
+          <a:chOff x="0" y="0"/>
+          <a:chExt cx="0" cy="0"/>
+        </a:xfrm>
+      </p:grpSpPr>
+      <p:sp>
+        <p:nvSpPr>
+          <p:cNvPr id="2" name="タイトル 1">
+            <a:extLst>
+              <a:ext uri="{FF2B5EF4-FFF2-40B4-BE49-F238E27FC236}">
+                <a16:creationId xmlns:a16="http://schemas.microsoft.com/office/drawing/2014/main" id="{F11F3668-F205-48C5-AC01-19611EFE561B}"/>
+              </a:ext>
+            </a:extLst>
+          </p:cNvPr>
+          <p:cNvSpPr>
+            <a:spLocks noGrp="1"/>
+          </p:cNvSpPr>
+          <p:nvPr>
+            <p:ph type="title"/>
+          </p:nvPr>
+        </p:nvSpPr>
+        <p:spPr/>
+        <p:txBody>
+          <a:bodyPr/>
+          <a:lstStyle/>
+          <a:p>
+            <a:r>
+              <a:rPr kumimoji="1" lang="en-US" altLang="ja-JP" dirty="0"/>
+              <a:t>Sample301</a:t>
+            </a:r>
+            <a:r>
+              <a:rPr kumimoji="1" lang="ja-JP" altLang="en-US" dirty="0"/>
+              <a:t>のカプセル化</a:t>
+            </a:r>
+          </a:p>
+        </p:txBody>
+      </p:sp>
+      <p:sp>
+        <p:nvSpPr>
+          <p:cNvPr id="3" name="コンテンツ プレースホルダー 2">
+            <a:extLst>
+              <a:ext uri="{FF2B5EF4-FFF2-40B4-BE49-F238E27FC236}">
+                <a16:creationId xmlns:a16="http://schemas.microsoft.com/office/drawing/2014/main" id="{64DBE417-57E9-44A6-BB52-B2F9986BB7B2}"/>
+              </a:ext>
+            </a:extLst>
+          </p:cNvPr>
+          <p:cNvSpPr>
+            <a:spLocks noGrp="1"/>
+          </p:cNvSpPr>
+          <p:nvPr>
+            <p:ph idx="1"/>
+          </p:nvPr>
+        </p:nvSpPr>
+        <p:spPr/>
+        <p:txBody>
+          <a:bodyPr>
+            <a:normAutofit/>
+          </a:bodyPr>
+          <a:lstStyle/>
+          <a:p>
+            <a:r>
+              <a:rPr kumimoji="1" lang="en-US" altLang="ja-JP" dirty="0"/>
+              <a:t>car.cpp</a:t>
+            </a:r>
+            <a:r>
+              <a:rPr lang="en-US" altLang="ja-JP" dirty="0"/>
+              <a:t> (Sample301c)</a:t>
+            </a:r>
+            <a:br>
+              <a:rPr lang="en-US" altLang="ja-JP" dirty="0"/>
+            </a:br>
+            <a:endParaRPr lang="en-US" altLang="ja-JP" dirty="0"/>
+          </a:p>
+          <a:p>
+            <a:pPr marL="0" indent="0">
+              <a:buNone/>
+            </a:pPr>
+            <a:br>
+              <a:rPr lang="en-US" altLang="ja-JP" dirty="0"/>
+            </a:br>
+            <a:br>
+              <a:rPr lang="en-US" altLang="ja-JP" dirty="0"/>
+            </a:br>
+            <a:br>
+              <a:rPr lang="en-US" altLang="ja-JP" dirty="0"/>
+            </a:br>
+            <a:br>
+              <a:rPr lang="en-US" altLang="ja-JP" sz="2400" dirty="0"/>
+            </a:br>
+            <a:br>
+              <a:rPr lang="en-US" altLang="ja-JP" sz="2400" dirty="0"/>
+            </a:br>
+            <a:endParaRPr lang="en-US" altLang="ja-JP" sz="2400" dirty="0"/>
+          </a:p>
+          <a:p>
+            <a:pPr marL="0" indent="0">
+              <a:buNone/>
+            </a:pPr>
+            <a:br>
+              <a:rPr lang="en-US" altLang="ja-JP" sz="2400" dirty="0"/>
+            </a:br>
+            <a:br>
+              <a:rPr lang="en-US" altLang="ja-JP" sz="2400" dirty="0"/>
+            </a:br>
+            <a:endParaRPr lang="en-US" altLang="ja-JP" dirty="0">
+              <a:solidFill>
+                <a:srgbClr val="FF0000"/>
+              </a:solidFill>
+            </a:endParaRPr>
+          </a:p>
+        </p:txBody>
+      </p:sp>
+      <p:sp>
+        <p:nvSpPr>
+          <p:cNvPr id="5" name="テキスト ボックス 4">
+            <a:extLst>
+              <a:ext uri="{FF2B5EF4-FFF2-40B4-BE49-F238E27FC236}">
+                <a16:creationId xmlns:a16="http://schemas.microsoft.com/office/drawing/2014/main" id="{9E32883C-0E37-4F07-9861-27609819CE8C}"/>
+              </a:ext>
+            </a:extLst>
+          </p:cNvPr>
+          <p:cNvSpPr txBox="1"/>
+          <p:nvPr/>
+        </p:nvSpPr>
+        <p:spPr>
+          <a:xfrm>
+            <a:off x="1048254" y="1942532"/>
+            <a:ext cx="10768607" cy="4524315"/>
+          </a:xfrm>
+          <a:prstGeom prst="rect">
+            <a:avLst/>
+          </a:prstGeom>
+          <a:noFill/>
+          <a:ln>
+            <a:solidFill>
+              <a:schemeClr val="tx1"/>
+            </a:solidFill>
+          </a:ln>
+        </p:spPr>
+        <p:txBody>
+          <a:bodyPr wrap="square" rtlCol="0">
+            <a:spAutoFit/>
+          </a:bodyPr>
+          <a:lstStyle/>
+          <a:p>
+            <a:r>
+              <a:rPr kumimoji="1" lang="en-US" altLang="ja-JP" sz="2400" dirty="0"/>
+              <a:t>#include “</a:t>
+            </a:r>
+            <a:r>
+              <a:rPr kumimoji="1" lang="en-US" altLang="ja-JP" sz="2400" dirty="0" err="1"/>
+              <a:t>car.h</a:t>
+            </a:r>
+            <a:r>
+              <a:rPr kumimoji="1" lang="en-US" altLang="ja-JP" sz="2400" dirty="0"/>
+              <a:t>”</a:t>
+            </a:r>
+          </a:p>
+          <a:p>
+            <a:r>
+              <a:rPr kumimoji="1" lang="en-US" altLang="ja-JP" sz="2400" dirty="0"/>
+              <a:t>#include &lt;iostream&gt; </a:t>
+            </a:r>
+            <a:r>
+              <a:rPr kumimoji="1" lang="ja-JP" altLang="en-US" sz="2400" dirty="0"/>
+              <a:t>　　　</a:t>
+            </a:r>
+            <a:endParaRPr kumimoji="1" lang="en-US" altLang="ja-JP" sz="2400" dirty="0"/>
+          </a:p>
+          <a:p>
+            <a:r>
+              <a:rPr kumimoji="1" lang="en-US" altLang="ja-JP" sz="2400" dirty="0"/>
+              <a:t>using namespace std;</a:t>
+            </a:r>
+            <a:br>
+              <a:rPr kumimoji="1" lang="en-US" altLang="ja-JP" sz="2400" dirty="0"/>
+            </a:br>
+            <a:br>
+              <a:rPr kumimoji="1" lang="en-US" altLang="ja-JP" sz="2400" dirty="0"/>
+            </a:br>
+            <a:r>
+              <a:rPr kumimoji="1" lang="en-US" altLang="ja-JP" sz="2400" dirty="0"/>
+              <a:t>void Car::drive(double hour){</a:t>
+            </a:r>
+          </a:p>
+          <a:p>
+            <a:r>
+              <a:rPr kumimoji="1" lang="en-US" altLang="ja-JP" sz="2400" dirty="0"/>
+              <a:t>    </a:t>
+            </a:r>
+            <a:r>
+              <a:rPr kumimoji="1" lang="en-US" altLang="ja-JP" sz="2400" dirty="0" err="1"/>
+              <a:t>cout</a:t>
+            </a:r>
+            <a:r>
+              <a:rPr kumimoji="1" lang="en-US" altLang="ja-JP" sz="2400" dirty="0"/>
+              <a:t> &lt;&lt; “</a:t>
+            </a:r>
+            <a:r>
+              <a:rPr kumimoji="1" lang="ja-JP" altLang="en-US" sz="2400" dirty="0"/>
+              <a:t>時速</a:t>
+            </a:r>
+            <a:r>
+              <a:rPr kumimoji="1" lang="en-US" altLang="ja-JP" sz="2400" dirty="0"/>
+              <a:t>” &lt;&lt; </a:t>
+            </a:r>
+            <a:r>
+              <a:rPr kumimoji="1" lang="en-US" altLang="ja-JP" sz="2400" dirty="0" err="1">
+                <a:solidFill>
+                  <a:srgbClr val="00B0F0"/>
+                </a:solidFill>
+              </a:rPr>
+              <a:t>m_speed</a:t>
+            </a:r>
+            <a:r>
+              <a:rPr kumimoji="1" lang="en-US" altLang="ja-JP" sz="2400" dirty="0">
+                <a:solidFill>
+                  <a:srgbClr val="00B0F0"/>
+                </a:solidFill>
+              </a:rPr>
+              <a:t> </a:t>
+            </a:r>
+            <a:r>
+              <a:rPr kumimoji="1" lang="en-US" altLang="ja-JP" sz="2400" dirty="0"/>
+              <a:t>&lt;&lt; “km</a:t>
+            </a:r>
+            <a:r>
+              <a:rPr kumimoji="1" lang="ja-JP" altLang="en-US" sz="2400" dirty="0"/>
+              <a:t>で</a:t>
+            </a:r>
+            <a:r>
+              <a:rPr kumimoji="1" lang="en-US" altLang="ja-JP" sz="2400" dirty="0"/>
+              <a:t>” &lt;&lt;</a:t>
+            </a:r>
+            <a:br>
+              <a:rPr kumimoji="1" lang="en-US" altLang="ja-JP" sz="2400" dirty="0"/>
+            </a:br>
+            <a:r>
+              <a:rPr kumimoji="1" lang="en-US" altLang="ja-JP" sz="2400" dirty="0"/>
+              <a:t>         hour &lt;&lt; “</a:t>
+            </a:r>
+            <a:r>
+              <a:rPr kumimoji="1" lang="ja-JP" altLang="en-US" sz="2400" dirty="0"/>
+              <a:t>時間走行</a:t>
+            </a:r>
+            <a:r>
+              <a:rPr kumimoji="1" lang="en-US" altLang="ja-JP" sz="2400" dirty="0"/>
+              <a:t>” &lt;&lt; </a:t>
+            </a:r>
+            <a:r>
+              <a:rPr kumimoji="1" lang="en-US" altLang="ja-JP" sz="2400" dirty="0" err="1"/>
+              <a:t>endl</a:t>
+            </a:r>
+            <a:r>
+              <a:rPr kumimoji="1" lang="en-US" altLang="ja-JP" sz="2400" dirty="0"/>
+              <a:t>;</a:t>
+            </a:r>
+            <a:br>
+              <a:rPr kumimoji="1" lang="en-US" altLang="ja-JP" sz="2400" dirty="0"/>
+            </a:br>
+            <a:r>
+              <a:rPr kumimoji="1" lang="en-US" altLang="ja-JP" sz="2400" dirty="0"/>
+              <a:t>    </a:t>
+            </a:r>
+            <a:r>
+              <a:rPr kumimoji="1" lang="en-US" altLang="ja-JP" sz="2400" dirty="0" err="1"/>
+              <a:t>cout</a:t>
+            </a:r>
+            <a:r>
+              <a:rPr kumimoji="1" lang="en-US" altLang="ja-JP" sz="2400" dirty="0"/>
+              <a:t> &lt;&lt; </a:t>
+            </a:r>
+            <a:r>
+              <a:rPr kumimoji="1" lang="en-US" altLang="ja-JP" sz="2400" dirty="0" err="1">
+                <a:solidFill>
+                  <a:srgbClr val="00B0F0"/>
+                </a:solidFill>
+              </a:rPr>
+              <a:t>m_speed</a:t>
+            </a:r>
+            <a:r>
+              <a:rPr kumimoji="1" lang="ja-JP" altLang="en-US" sz="2400" dirty="0">
+                <a:solidFill>
+                  <a:srgbClr val="00B0F0"/>
+                </a:solidFill>
+              </a:rPr>
+              <a:t> </a:t>
+            </a:r>
+            <a:r>
+              <a:rPr kumimoji="1" lang="en-US" altLang="ja-JP" sz="2400" dirty="0"/>
+              <a:t>* hour &lt;&lt; “km</a:t>
+            </a:r>
+            <a:r>
+              <a:rPr kumimoji="1" lang="ja-JP" altLang="en-US" sz="2400" dirty="0"/>
+              <a:t>移動</a:t>
+            </a:r>
+            <a:r>
+              <a:rPr kumimoji="1" lang="en-US" altLang="ja-JP" sz="2400" dirty="0"/>
+              <a:t>” &lt;&lt; </a:t>
+            </a:r>
+            <a:r>
+              <a:rPr kumimoji="1" lang="en-US" altLang="ja-JP" sz="2400" dirty="0" err="1"/>
+              <a:t>endl</a:t>
+            </a:r>
+            <a:r>
+              <a:rPr kumimoji="1" lang="en-US" altLang="ja-JP" sz="2400" dirty="0"/>
+              <a:t>;</a:t>
+            </a:r>
+            <a:br>
+              <a:rPr kumimoji="1" lang="en-US" altLang="ja-JP" sz="2400" dirty="0"/>
+            </a:br>
+            <a:r>
+              <a:rPr kumimoji="1" lang="en-US" altLang="ja-JP" sz="2400" dirty="0"/>
+              <a:t>}</a:t>
+            </a:r>
+          </a:p>
+          <a:p>
+            <a:r>
+              <a:rPr kumimoji="1" lang="en-US" altLang="ja-JP" sz="2400" dirty="0">
+                <a:solidFill>
+                  <a:srgbClr val="FF0000"/>
+                </a:solidFill>
+              </a:rPr>
+              <a:t>void Car::</a:t>
+            </a:r>
+            <a:r>
+              <a:rPr kumimoji="1" lang="en-US" altLang="ja-JP" sz="2400" dirty="0" err="1">
+                <a:solidFill>
+                  <a:srgbClr val="FF0000"/>
+                </a:solidFill>
+              </a:rPr>
+              <a:t>setSpeed</a:t>
+            </a:r>
+            <a:r>
+              <a:rPr kumimoji="1" lang="en-US" altLang="ja-JP" sz="2400" dirty="0">
+                <a:solidFill>
+                  <a:srgbClr val="FF0000"/>
+                </a:solidFill>
+              </a:rPr>
+              <a:t>(double speed){</a:t>
+            </a:r>
+          </a:p>
+          <a:p>
+            <a:r>
+              <a:rPr kumimoji="1" lang="en-US" altLang="ja-JP" sz="2400" dirty="0">
+                <a:solidFill>
+                  <a:srgbClr val="FF0000"/>
+                </a:solidFill>
+              </a:rPr>
+              <a:t>    </a:t>
+            </a:r>
+            <a:r>
+              <a:rPr kumimoji="1" lang="en-US" altLang="ja-JP" sz="2400" dirty="0" err="1">
+                <a:solidFill>
+                  <a:srgbClr val="FF0000"/>
+                </a:solidFill>
+              </a:rPr>
+              <a:t>m_speed</a:t>
+            </a:r>
+            <a:r>
+              <a:rPr kumimoji="1" lang="en-US" altLang="ja-JP" sz="2400" dirty="0">
+                <a:solidFill>
+                  <a:srgbClr val="FF0000"/>
+                </a:solidFill>
+              </a:rPr>
+              <a:t> = speed;</a:t>
+            </a:r>
+          </a:p>
+          <a:p>
+            <a:r>
+              <a:rPr kumimoji="1" lang="en-US" altLang="ja-JP" sz="2400" dirty="0">
+                <a:solidFill>
+                  <a:srgbClr val="FF0000"/>
+                </a:solidFill>
+              </a:rPr>
+              <a:t>}</a:t>
+            </a:r>
+          </a:p>
+        </p:txBody>
+      </p:sp>
+    </p:spTree>
+    <p:extLst>
+      <p:ext uri="{BB962C8B-B14F-4D97-AF65-F5344CB8AC3E}">
+        <p14:creationId xmlns:p14="http://schemas.microsoft.com/office/powerpoint/2010/main" val="2040475995"/>
+      </p:ext>
+    </p:extLst>
+  </p:cSld>
+  <p:clrMapOvr>
+    <a:masterClrMapping/>
+  </p:clrMapOvr>
+</p:sld>
+</file>
+
+<file path=ppt/slides/slide26.xml><?xml version="1.0" encoding="utf-8"?>
+<p:sld xmlns:a="http://schemas.openxmlformats.org/drawingml/2006/main" xmlns:r="http://schemas.openxmlformats.org/officeDocument/2006/relationships" xmlns:p="http://schemas.openxmlformats.org/presentationml/2006/main">
+  <p:cSld>
+    <p:spTree>
+      <p:nvGrpSpPr>
+        <p:cNvPr id="1" name=""/>
+        <p:cNvGrpSpPr/>
+        <p:nvPr/>
+      </p:nvGrpSpPr>
+      <p:grpSpPr>
+        <a:xfrm>
+          <a:off x="0" y="0"/>
+          <a:ext cx="0" cy="0"/>
+          <a:chOff x="0" y="0"/>
+          <a:chExt cx="0" cy="0"/>
+        </a:xfrm>
+      </p:grpSpPr>
+      <p:sp>
+        <p:nvSpPr>
+          <p:cNvPr id="2" name="タイトル 1">
+            <a:extLst>
+              <a:ext uri="{FF2B5EF4-FFF2-40B4-BE49-F238E27FC236}">
+                <a16:creationId xmlns:a16="http://schemas.microsoft.com/office/drawing/2014/main" id="{F11F3668-F205-48C5-AC01-19611EFE561B}"/>
+              </a:ext>
+            </a:extLst>
+          </p:cNvPr>
+          <p:cNvSpPr>
+            <a:spLocks noGrp="1"/>
+          </p:cNvSpPr>
+          <p:nvPr>
+            <p:ph type="title"/>
+          </p:nvPr>
+        </p:nvSpPr>
+        <p:spPr/>
+        <p:txBody>
+          <a:bodyPr/>
+          <a:lstStyle/>
+          <a:p>
+            <a:r>
+              <a:rPr kumimoji="1" lang="en-US" altLang="ja-JP" dirty="0"/>
+              <a:t>Sample301</a:t>
+            </a:r>
+            <a:r>
+              <a:rPr kumimoji="1" lang="ja-JP" altLang="en-US" dirty="0"/>
+              <a:t>のカプセル化</a:t>
+            </a:r>
+          </a:p>
+        </p:txBody>
+      </p:sp>
+      <p:sp>
+        <p:nvSpPr>
+          <p:cNvPr id="3" name="コンテンツ プレースホルダー 2">
+            <a:extLst>
+              <a:ext uri="{FF2B5EF4-FFF2-40B4-BE49-F238E27FC236}">
+                <a16:creationId xmlns:a16="http://schemas.microsoft.com/office/drawing/2014/main" id="{64DBE417-57E9-44A6-BB52-B2F9986BB7B2}"/>
+              </a:ext>
+            </a:extLst>
+          </p:cNvPr>
+          <p:cNvSpPr>
+            <a:spLocks noGrp="1"/>
+          </p:cNvSpPr>
+          <p:nvPr>
+            <p:ph idx="1"/>
+          </p:nvPr>
+        </p:nvSpPr>
+        <p:spPr/>
+        <p:txBody>
+          <a:bodyPr>
+            <a:normAutofit/>
+          </a:bodyPr>
+          <a:lstStyle/>
+          <a:p>
+            <a:r>
               <a:rPr kumimoji="1" lang="en-US" altLang="ja-JP" dirty="0"/>
               <a:t>main.cpp</a:t>
+            </a:r>
+            <a:r>
+              <a:rPr lang="en-US" altLang="ja-JP" dirty="0"/>
+              <a:t> (Sample301c)</a:t>
             </a:r>
             <a:br>
               <a:rPr lang="en-US" altLang="ja-JP" dirty="0"/>

--- a/授業資料/講義資料：アクセス指定子とカプセル化.pptx
+++ b/授業資料/講義資料：アクセス指定子とカプセル化.pptx
@@ -31,6 +31,7 @@
     <p:sldId id="306" r:id="rId25"/>
     <p:sldId id="309" r:id="rId26"/>
     <p:sldId id="308" r:id="rId27"/>
+    <p:sldId id="312" r:id="rId28"/>
   </p:sldIdLst>
   <p:sldSz cx="12192000" cy="6858000"/>
   <p:notesSz cx="6858000" cy="9144000"/>
@@ -268,7 +269,7 @@
           <a:p>
             <a:fld id="{5B96D3F8-CD2E-4A0D-AC38-517181EABB18}" type="datetimeFigureOut">
               <a:rPr kumimoji="1" lang="ja-JP" altLang="en-US" smtClean="0"/>
-              <a:t>2024/9/11</a:t>
+              <a:t>2025/7/18</a:t>
             </a:fld>
             <a:endParaRPr kumimoji="1" lang="ja-JP" altLang="en-US"/>
           </a:p>
@@ -470,7 +471,7 @@
           <a:p>
             <a:fld id="{5B96D3F8-CD2E-4A0D-AC38-517181EABB18}" type="datetimeFigureOut">
               <a:rPr kumimoji="1" lang="ja-JP" altLang="en-US" smtClean="0"/>
-              <a:t>2024/9/11</a:t>
+              <a:t>2025/7/18</a:t>
             </a:fld>
             <a:endParaRPr kumimoji="1" lang="ja-JP" altLang="en-US"/>
           </a:p>
@@ -682,7 +683,7 @@
           <a:p>
             <a:fld id="{5B96D3F8-CD2E-4A0D-AC38-517181EABB18}" type="datetimeFigureOut">
               <a:rPr kumimoji="1" lang="ja-JP" altLang="en-US" smtClean="0"/>
-              <a:t>2024/9/11</a:t>
+              <a:t>2025/7/18</a:t>
             </a:fld>
             <a:endParaRPr kumimoji="1" lang="ja-JP" altLang="en-US"/>
           </a:p>
@@ -884,7 +885,7 @@
           <a:p>
             <a:fld id="{5B96D3F8-CD2E-4A0D-AC38-517181EABB18}" type="datetimeFigureOut">
               <a:rPr kumimoji="1" lang="ja-JP" altLang="en-US" smtClean="0"/>
-              <a:t>2024/9/11</a:t>
+              <a:t>2025/7/18</a:t>
             </a:fld>
             <a:endParaRPr kumimoji="1" lang="ja-JP" altLang="en-US"/>
           </a:p>
@@ -1130,7 +1131,7 @@
           <a:p>
             <a:fld id="{5B96D3F8-CD2E-4A0D-AC38-517181EABB18}" type="datetimeFigureOut">
               <a:rPr kumimoji="1" lang="ja-JP" altLang="en-US" smtClean="0"/>
-              <a:t>2024/9/11</a:t>
+              <a:t>2025/7/18</a:t>
             </a:fld>
             <a:endParaRPr kumimoji="1" lang="ja-JP" altLang="en-US"/>
           </a:p>
@@ -1426,7 +1427,7 @@
           <a:p>
             <a:fld id="{5B96D3F8-CD2E-4A0D-AC38-517181EABB18}" type="datetimeFigureOut">
               <a:rPr kumimoji="1" lang="ja-JP" altLang="en-US" smtClean="0"/>
-              <a:t>2024/9/11</a:t>
+              <a:t>2025/7/18</a:t>
             </a:fld>
             <a:endParaRPr kumimoji="1" lang="ja-JP" altLang="en-US"/>
           </a:p>
@@ -1857,7 +1858,7 @@
           <a:p>
             <a:fld id="{5B96D3F8-CD2E-4A0D-AC38-517181EABB18}" type="datetimeFigureOut">
               <a:rPr kumimoji="1" lang="ja-JP" altLang="en-US" smtClean="0"/>
-              <a:t>2024/9/11</a:t>
+              <a:t>2025/7/18</a:t>
             </a:fld>
             <a:endParaRPr kumimoji="1" lang="ja-JP" altLang="en-US"/>
           </a:p>
@@ -1975,7 +1976,7 @@
           <a:p>
             <a:fld id="{5B96D3F8-CD2E-4A0D-AC38-517181EABB18}" type="datetimeFigureOut">
               <a:rPr kumimoji="1" lang="ja-JP" altLang="en-US" smtClean="0"/>
-              <a:t>2024/9/11</a:t>
+              <a:t>2025/7/18</a:t>
             </a:fld>
             <a:endParaRPr kumimoji="1" lang="ja-JP" altLang="en-US"/>
           </a:p>
@@ -2070,7 +2071,7 @@
           <a:p>
             <a:fld id="{5B96D3F8-CD2E-4A0D-AC38-517181EABB18}" type="datetimeFigureOut">
               <a:rPr kumimoji="1" lang="ja-JP" altLang="en-US" smtClean="0"/>
-              <a:t>2024/9/11</a:t>
+              <a:t>2025/7/18</a:t>
             </a:fld>
             <a:endParaRPr kumimoji="1" lang="ja-JP" altLang="en-US"/>
           </a:p>
@@ -2379,7 +2380,7 @@
           <a:p>
             <a:fld id="{5B96D3F8-CD2E-4A0D-AC38-517181EABB18}" type="datetimeFigureOut">
               <a:rPr kumimoji="1" lang="ja-JP" altLang="en-US" smtClean="0"/>
-              <a:t>2024/9/11</a:t>
+              <a:t>2025/7/18</a:t>
             </a:fld>
             <a:endParaRPr kumimoji="1" lang="ja-JP" altLang="en-US"/>
           </a:p>
@@ -2636,7 +2637,7 @@
           <a:p>
             <a:fld id="{5B96D3F8-CD2E-4A0D-AC38-517181EABB18}" type="datetimeFigureOut">
               <a:rPr kumimoji="1" lang="ja-JP" altLang="en-US" smtClean="0"/>
-              <a:t>2024/9/11</a:t>
+              <a:t>2025/7/18</a:t>
             </a:fld>
             <a:endParaRPr kumimoji="1" lang="ja-JP" altLang="en-US"/>
           </a:p>
@@ -2881,7 +2882,7 @@
           <a:p>
             <a:fld id="{5B96D3F8-CD2E-4A0D-AC38-517181EABB18}" type="datetimeFigureOut">
               <a:rPr kumimoji="1" lang="ja-JP" altLang="en-US" smtClean="0"/>
-              <a:t>2024/9/11</a:t>
+              <a:t>2025/7/18</a:t>
             </a:fld>
             <a:endParaRPr kumimoji="1" lang="ja-JP" altLang="en-US"/>
           </a:p>
@@ -6888,8 +6889,8 @@
         </p:nvSpPr>
         <p:spPr>
           <a:xfrm>
-            <a:off x="532425" y="5120404"/>
-            <a:ext cx="11267828" cy="1077218"/>
+            <a:off x="350297" y="5058059"/>
+            <a:ext cx="11296682" cy="1261884"/>
           </a:xfrm>
           <a:prstGeom prst="rect">
             <a:avLst/>
@@ -6908,7 +6909,7 @@
                   <a:srgbClr val="00B050"/>
                 </a:solidFill>
               </a:rPr>
-              <a:t>メンバ変数にアクセスできる手段を関数経由に限定することで</a:t>
+              <a:t>メンバ変数の読み書きをアクセス関数経由に限定することで</a:t>
             </a:r>
             <a:endParaRPr kumimoji="1" lang="en-US" altLang="ja-JP" sz="3200" dirty="0">
               <a:solidFill>
@@ -6923,7 +6924,23 @@
                   <a:srgbClr val="00B050"/>
                 </a:solidFill>
               </a:rPr>
-              <a:t>不意の書き換えや読み取りを防止する（カプセル化）</a:t>
+              <a:t>意図しない変更や参照を防止することを</a:t>
+            </a:r>
+            <a:r>
+              <a:rPr kumimoji="1" lang="ja-JP" altLang="en-US" sz="4400" b="1" dirty="0">
+                <a:solidFill>
+                  <a:srgbClr val="00B050"/>
+                </a:solidFill>
+              </a:rPr>
+              <a:t>カプセル化</a:t>
+            </a:r>
+            <a:r>
+              <a:rPr kumimoji="1" lang="ja-JP" altLang="en-US" sz="3200" dirty="0">
+                <a:solidFill>
+                  <a:srgbClr val="00B050"/>
+                </a:solidFill>
+              </a:rPr>
+              <a:t>という</a:t>
             </a:r>
           </a:p>
         </p:txBody>
@@ -7502,6 +7519,9 @@
               <a:rPr lang="ja-JP" altLang="en-US" dirty="0"/>
               <a:t>速度を格納することがわかりやすくなる</a:t>
             </a:r>
+            <a:br>
+              <a:rPr lang="en-US" altLang="ja-JP"/>
+            </a:br>
             <a:endParaRPr lang="en-US" altLang="ja-JP" dirty="0"/>
           </a:p>
         </p:txBody>
@@ -7685,104 +7705,6 @@
           </a:p>
         </p:txBody>
       </p:sp>
-      <p:sp>
-        <p:nvSpPr>
-          <p:cNvPr id="5" name="左大かっこ 4">
-            <a:extLst>
-              <a:ext uri="{FF2B5EF4-FFF2-40B4-BE49-F238E27FC236}">
-                <a16:creationId xmlns:a16="http://schemas.microsoft.com/office/drawing/2014/main" id="{233F3543-889D-1BDA-782E-21A2136D88F2}"/>
-              </a:ext>
-            </a:extLst>
-          </p:cNvPr>
-          <p:cNvSpPr/>
-          <p:nvPr/>
-        </p:nvSpPr>
-        <p:spPr>
-          <a:xfrm rot="16200000">
-            <a:off x="4047811" y="3762359"/>
-            <a:ext cx="93785" cy="301451"/>
-          </a:xfrm>
-          <a:prstGeom prst="leftBracket">
-            <a:avLst/>
-          </a:prstGeom>
-          <a:ln w="12700">
-            <a:solidFill>
-              <a:srgbClr val="00B0F0"/>
-            </a:solidFill>
-          </a:ln>
-        </p:spPr>
-        <p:style>
-          <a:lnRef idx="1">
-            <a:schemeClr val="accent1"/>
-          </a:lnRef>
-          <a:fillRef idx="0">
-            <a:schemeClr val="accent1"/>
-          </a:fillRef>
-          <a:effectRef idx="0">
-            <a:schemeClr val="accent1"/>
-          </a:effectRef>
-          <a:fontRef idx="minor">
-            <a:schemeClr val="tx1"/>
-          </a:fontRef>
-        </p:style>
-        <p:txBody>
-          <a:bodyPr rtlCol="0" anchor="ctr"/>
-          <a:lstStyle/>
-          <a:p>
-            <a:pPr algn="ctr"/>
-            <a:endParaRPr kumimoji="1" lang="ja-JP" altLang="en-US"/>
-          </a:p>
-        </p:txBody>
-      </p:sp>
-      <p:sp>
-        <p:nvSpPr>
-          <p:cNvPr id="6" name="左大かっこ 5">
-            <a:extLst>
-              <a:ext uri="{FF2B5EF4-FFF2-40B4-BE49-F238E27FC236}">
-                <a16:creationId xmlns:a16="http://schemas.microsoft.com/office/drawing/2014/main" id="{4821EDDD-FBA2-7A2E-91BF-8914836AF242}"/>
-              </a:ext>
-            </a:extLst>
-          </p:cNvPr>
-          <p:cNvSpPr/>
-          <p:nvPr/>
-        </p:nvSpPr>
-        <p:spPr>
-          <a:xfrm rot="16200000">
-            <a:off x="7535426" y="3762360"/>
-            <a:ext cx="93785" cy="301451"/>
-          </a:xfrm>
-          <a:prstGeom prst="leftBracket">
-            <a:avLst/>
-          </a:prstGeom>
-          <a:ln w="12700">
-            <a:solidFill>
-              <a:srgbClr val="00B0F0"/>
-            </a:solidFill>
-          </a:ln>
-        </p:spPr>
-        <p:style>
-          <a:lnRef idx="1">
-            <a:schemeClr val="accent1"/>
-          </a:lnRef>
-          <a:fillRef idx="0">
-            <a:schemeClr val="accent1"/>
-          </a:fillRef>
-          <a:effectRef idx="0">
-            <a:schemeClr val="accent1"/>
-          </a:effectRef>
-          <a:fontRef idx="minor">
-            <a:schemeClr val="tx1"/>
-          </a:fontRef>
-        </p:style>
-        <p:txBody>
-          <a:bodyPr rtlCol="0" anchor="ctr"/>
-          <a:lstStyle/>
-          <a:p>
-            <a:pPr algn="ctr"/>
-            <a:endParaRPr kumimoji="1" lang="ja-JP" altLang="en-US"/>
-          </a:p>
-        </p:txBody>
-      </p:sp>
     </p:spTree>
     <p:extLst>
       <p:ext uri="{BB962C8B-B14F-4D97-AF65-F5344CB8AC3E}">
@@ -9022,6 +8944,407 @@
     <p:extLst>
       <p:ext uri="{BB962C8B-B14F-4D97-AF65-F5344CB8AC3E}">
         <p14:creationId xmlns:p14="http://schemas.microsoft.com/office/powerpoint/2010/main" val="2196188146"/>
+      </p:ext>
+    </p:extLst>
+  </p:cSld>
+  <p:clrMapOvr>
+    <a:masterClrMapping/>
+  </p:clrMapOvr>
+</p:sld>
+</file>
+
+<file path=ppt/slides/slide27.xml><?xml version="1.0" encoding="utf-8"?>
+<p:sld xmlns:a="http://schemas.openxmlformats.org/drawingml/2006/main" xmlns:r="http://schemas.openxmlformats.org/officeDocument/2006/relationships" xmlns:p="http://schemas.openxmlformats.org/presentationml/2006/main">
+  <p:cSld>
+    <p:spTree>
+      <p:nvGrpSpPr>
+        <p:cNvPr id="1" name=""/>
+        <p:cNvGrpSpPr/>
+        <p:nvPr/>
+      </p:nvGrpSpPr>
+      <p:grpSpPr>
+        <a:xfrm>
+          <a:off x="0" y="0"/>
+          <a:ext cx="0" cy="0"/>
+          <a:chOff x="0" y="0"/>
+          <a:chExt cx="0" cy="0"/>
+        </a:xfrm>
+      </p:grpSpPr>
+      <p:sp>
+        <p:nvSpPr>
+          <p:cNvPr id="2" name="タイトル 1">
+            <a:extLst>
+              <a:ext uri="{FF2B5EF4-FFF2-40B4-BE49-F238E27FC236}">
+                <a16:creationId xmlns:a16="http://schemas.microsoft.com/office/drawing/2014/main" id="{F11F3668-F205-48C5-AC01-19611EFE561B}"/>
+              </a:ext>
+            </a:extLst>
+          </p:cNvPr>
+          <p:cNvSpPr>
+            <a:spLocks noGrp="1"/>
+          </p:cNvSpPr>
+          <p:nvPr>
+            <p:ph type="title"/>
+          </p:nvPr>
+        </p:nvSpPr>
+        <p:spPr/>
+        <p:txBody>
+          <a:bodyPr/>
+          <a:lstStyle/>
+          <a:p>
+            <a:r>
+              <a:rPr kumimoji="1" lang="en-US" altLang="ja-JP" dirty="0"/>
+              <a:t>Sample301</a:t>
+            </a:r>
+            <a:r>
+              <a:rPr kumimoji="1" lang="ja-JP" altLang="en-US" dirty="0"/>
+              <a:t>のカプセル化</a:t>
+            </a:r>
+          </a:p>
+        </p:txBody>
+      </p:sp>
+      <p:sp>
+        <p:nvSpPr>
+          <p:cNvPr id="3" name="コンテンツ プレースホルダー 2">
+            <a:extLst>
+              <a:ext uri="{FF2B5EF4-FFF2-40B4-BE49-F238E27FC236}">
+                <a16:creationId xmlns:a16="http://schemas.microsoft.com/office/drawing/2014/main" id="{64DBE417-57E9-44A6-BB52-B2F9986BB7B2}"/>
+              </a:ext>
+            </a:extLst>
+          </p:cNvPr>
+          <p:cNvSpPr>
+            <a:spLocks noGrp="1"/>
+          </p:cNvSpPr>
+          <p:nvPr>
+            <p:ph idx="1"/>
+          </p:nvPr>
+        </p:nvSpPr>
+        <p:spPr/>
+        <p:txBody>
+          <a:bodyPr>
+            <a:normAutofit/>
+          </a:bodyPr>
+          <a:lstStyle/>
+          <a:p>
+            <a:r>
+              <a:rPr kumimoji="1" lang="en-US" altLang="ja-JP" dirty="0"/>
+              <a:t>car.cpp</a:t>
+            </a:r>
+            <a:r>
+              <a:rPr lang="en-US" altLang="ja-JP" dirty="0"/>
+              <a:t> (Sample301c)</a:t>
+            </a:r>
+            <a:br>
+              <a:rPr lang="en-US" altLang="ja-JP" dirty="0"/>
+            </a:br>
+            <a:endParaRPr lang="en-US" altLang="ja-JP" dirty="0"/>
+          </a:p>
+          <a:p>
+            <a:pPr marL="0" indent="0">
+              <a:buNone/>
+            </a:pPr>
+            <a:br>
+              <a:rPr lang="en-US" altLang="ja-JP" dirty="0"/>
+            </a:br>
+            <a:br>
+              <a:rPr lang="en-US" altLang="ja-JP" dirty="0"/>
+            </a:br>
+            <a:br>
+              <a:rPr lang="en-US" altLang="ja-JP" dirty="0"/>
+            </a:br>
+            <a:br>
+              <a:rPr lang="en-US" altLang="ja-JP" sz="2400" dirty="0"/>
+            </a:br>
+            <a:br>
+              <a:rPr lang="en-US" altLang="ja-JP" sz="2400" dirty="0"/>
+            </a:br>
+            <a:endParaRPr lang="en-US" altLang="ja-JP" sz="2400" dirty="0"/>
+          </a:p>
+          <a:p>
+            <a:pPr marL="0" indent="0">
+              <a:buNone/>
+            </a:pPr>
+            <a:br>
+              <a:rPr lang="en-US" altLang="ja-JP" sz="2400" dirty="0"/>
+            </a:br>
+            <a:br>
+              <a:rPr lang="en-US" altLang="ja-JP" sz="2400" dirty="0"/>
+            </a:br>
+            <a:endParaRPr lang="en-US" altLang="ja-JP" dirty="0">
+              <a:solidFill>
+                <a:srgbClr val="FF0000"/>
+              </a:solidFill>
+            </a:endParaRPr>
+          </a:p>
+        </p:txBody>
+      </p:sp>
+      <p:sp>
+        <p:nvSpPr>
+          <p:cNvPr id="5" name="テキスト ボックス 4">
+            <a:extLst>
+              <a:ext uri="{FF2B5EF4-FFF2-40B4-BE49-F238E27FC236}">
+                <a16:creationId xmlns:a16="http://schemas.microsoft.com/office/drawing/2014/main" id="{9E32883C-0E37-4F07-9861-27609819CE8C}"/>
+              </a:ext>
+            </a:extLst>
+          </p:cNvPr>
+          <p:cNvSpPr txBox="1"/>
+          <p:nvPr/>
+        </p:nvSpPr>
+        <p:spPr>
+          <a:xfrm>
+            <a:off x="1048254" y="1942532"/>
+            <a:ext cx="10768607" cy="4524315"/>
+          </a:xfrm>
+          <a:prstGeom prst="rect">
+            <a:avLst/>
+          </a:prstGeom>
+          <a:noFill/>
+          <a:ln>
+            <a:solidFill>
+              <a:schemeClr val="tx1"/>
+            </a:solidFill>
+          </a:ln>
+        </p:spPr>
+        <p:txBody>
+          <a:bodyPr wrap="square" rtlCol="0">
+            <a:spAutoFit/>
+          </a:bodyPr>
+          <a:lstStyle/>
+          <a:p>
+            <a:r>
+              <a:rPr kumimoji="1" lang="en-US" altLang="ja-JP" sz="2400" dirty="0"/>
+              <a:t>#include “</a:t>
+            </a:r>
+            <a:r>
+              <a:rPr kumimoji="1" lang="en-US" altLang="ja-JP" sz="2400" dirty="0" err="1"/>
+              <a:t>car.h</a:t>
+            </a:r>
+            <a:r>
+              <a:rPr kumimoji="1" lang="en-US" altLang="ja-JP" sz="2400" dirty="0"/>
+              <a:t>”</a:t>
+            </a:r>
+          </a:p>
+          <a:p>
+            <a:r>
+              <a:rPr kumimoji="1" lang="en-US" altLang="ja-JP" sz="2400" dirty="0"/>
+              <a:t>#include &lt;iostream&gt; </a:t>
+            </a:r>
+            <a:r>
+              <a:rPr kumimoji="1" lang="ja-JP" altLang="en-US" sz="2400" dirty="0"/>
+              <a:t>　　　</a:t>
+            </a:r>
+            <a:endParaRPr kumimoji="1" lang="en-US" altLang="ja-JP" sz="2400" dirty="0"/>
+          </a:p>
+          <a:p>
+            <a:r>
+              <a:rPr kumimoji="1" lang="en-US" altLang="ja-JP" sz="2400" dirty="0"/>
+              <a:t>using namespace </a:t>
+            </a:r>
+            <a:r>
+              <a:rPr kumimoji="1" lang="en-US" altLang="ja-JP" sz="2400"/>
+              <a:t>std;</a:t>
+            </a:r>
+            <a:br>
+              <a:rPr kumimoji="1" lang="en-US" altLang="ja-JP" sz="2400" dirty="0"/>
+            </a:br>
+            <a:r>
+              <a:rPr kumimoji="1" lang="en-US" altLang="ja-JP" sz="2400" dirty="0"/>
+              <a:t>void Car::drive(double hour){</a:t>
+            </a:r>
+          </a:p>
+          <a:p>
+            <a:r>
+              <a:rPr kumimoji="1" lang="en-US" altLang="ja-JP" sz="2400" dirty="0"/>
+              <a:t>	</a:t>
+            </a:r>
+            <a:r>
+              <a:rPr kumimoji="1" lang="ja-JP" altLang="en-US" sz="2400" dirty="0"/>
+              <a:t>　　　　　　　（省略）</a:t>
+            </a:r>
+            <a:br>
+              <a:rPr kumimoji="1" lang="en-US" altLang="ja-JP" sz="2400" dirty="0"/>
+            </a:br>
+            <a:r>
+              <a:rPr kumimoji="1" lang="en-US" altLang="ja-JP" sz="2400" dirty="0"/>
+              <a:t>}</a:t>
+            </a:r>
+          </a:p>
+          <a:p>
+            <a:r>
+              <a:rPr kumimoji="1" lang="en-US" altLang="ja-JP" sz="2400" dirty="0"/>
+              <a:t>void Car::</a:t>
+            </a:r>
+            <a:r>
+              <a:rPr kumimoji="1" lang="en-US" altLang="ja-JP" sz="2400" dirty="0" err="1"/>
+              <a:t>setSpeed</a:t>
+            </a:r>
+            <a:r>
+              <a:rPr kumimoji="1" lang="en-US" altLang="ja-JP" sz="2400" dirty="0"/>
+              <a:t>(double speed){</a:t>
+            </a:r>
+            <a:br>
+              <a:rPr kumimoji="1" lang="en-US" altLang="ja-JP" sz="2400" dirty="0"/>
+            </a:br>
+            <a:r>
+              <a:rPr kumimoji="1" lang="en-US" altLang="ja-JP" sz="2400" dirty="0">
+                <a:solidFill>
+                  <a:srgbClr val="FF0000"/>
+                </a:solidFill>
+              </a:rPr>
+              <a:t>    //</a:t>
+            </a:r>
+            <a:r>
+              <a:rPr kumimoji="1" lang="ja-JP" altLang="en-US" sz="2400" dirty="0">
+                <a:solidFill>
+                  <a:srgbClr val="FF0000"/>
+                </a:solidFill>
+              </a:rPr>
+              <a:t>入力値のエラーチェックもセッターに組み込めるのが利点</a:t>
+            </a:r>
+            <a:br>
+              <a:rPr kumimoji="1" lang="en-US" altLang="ja-JP" sz="2400" dirty="0">
+                <a:solidFill>
+                  <a:srgbClr val="FF0000"/>
+                </a:solidFill>
+              </a:rPr>
+            </a:br>
+            <a:r>
+              <a:rPr kumimoji="1" lang="ja-JP" altLang="en-US" sz="2400" dirty="0">
+                <a:solidFill>
+                  <a:srgbClr val="FF0000"/>
+                </a:solidFill>
+              </a:rPr>
+              <a:t>    </a:t>
+            </a:r>
+            <a:r>
+              <a:rPr kumimoji="1" lang="en-US" altLang="ja-JP" sz="2400" dirty="0">
+                <a:solidFill>
+                  <a:srgbClr val="FF0000"/>
+                </a:solidFill>
+              </a:rPr>
+              <a:t>if(speed</a:t>
+            </a:r>
+            <a:r>
+              <a:rPr kumimoji="1" lang="ja-JP" altLang="en-US" sz="2400" dirty="0">
+                <a:solidFill>
+                  <a:srgbClr val="FF0000"/>
+                </a:solidFill>
+              </a:rPr>
+              <a:t> </a:t>
+            </a:r>
+            <a:r>
+              <a:rPr kumimoji="1" lang="en-US" altLang="ja-JP" sz="2400" dirty="0">
+                <a:solidFill>
+                  <a:srgbClr val="FF0000"/>
+                </a:solidFill>
+              </a:rPr>
+              <a:t>&gt;=</a:t>
+            </a:r>
+            <a:r>
+              <a:rPr kumimoji="1" lang="ja-JP" altLang="en-US" sz="2400" dirty="0">
+                <a:solidFill>
+                  <a:srgbClr val="FF0000"/>
+                </a:solidFill>
+              </a:rPr>
+              <a:t> </a:t>
+            </a:r>
+            <a:r>
+              <a:rPr kumimoji="1" lang="en-US" altLang="ja-JP" sz="2400" dirty="0">
+                <a:solidFill>
+                  <a:srgbClr val="FF0000"/>
+                </a:solidFill>
+              </a:rPr>
+              <a:t>100) { speed = 100; }</a:t>
+            </a:r>
+            <a:br>
+              <a:rPr kumimoji="1" lang="en-US" altLang="ja-JP" sz="2400" dirty="0">
+                <a:solidFill>
+                  <a:srgbClr val="FF0000"/>
+                </a:solidFill>
+              </a:rPr>
+            </a:br>
+            <a:r>
+              <a:rPr kumimoji="1" lang="en-US" altLang="ja-JP" sz="2400" dirty="0">
+                <a:solidFill>
+                  <a:srgbClr val="FF0000"/>
+                </a:solidFill>
+              </a:rPr>
+              <a:t>   </a:t>
+            </a:r>
+            <a:r>
+              <a:rPr kumimoji="1" lang="ja-JP" altLang="en-US" sz="2400" dirty="0">
+                <a:solidFill>
+                  <a:srgbClr val="FF0000"/>
+                </a:solidFill>
+              </a:rPr>
+              <a:t> </a:t>
+            </a:r>
+            <a:r>
+              <a:rPr kumimoji="1" lang="en-US" altLang="ja-JP" sz="2400" dirty="0">
+                <a:solidFill>
+                  <a:srgbClr val="FF0000"/>
+                </a:solidFill>
+              </a:rPr>
+              <a:t>if(speed</a:t>
+            </a:r>
+            <a:r>
+              <a:rPr kumimoji="1" lang="ja-JP" altLang="en-US" sz="2400" dirty="0">
+                <a:solidFill>
+                  <a:srgbClr val="FF0000"/>
+                </a:solidFill>
+              </a:rPr>
+              <a:t> </a:t>
+            </a:r>
+            <a:r>
+              <a:rPr kumimoji="1" lang="en-US" altLang="ja-JP" sz="2400" dirty="0">
+                <a:solidFill>
+                  <a:srgbClr val="FF0000"/>
+                </a:solidFill>
+              </a:rPr>
+              <a:t>&lt;</a:t>
+            </a:r>
+            <a:r>
+              <a:rPr kumimoji="1" lang="ja-JP" altLang="en-US" sz="2400" dirty="0">
+                <a:solidFill>
+                  <a:srgbClr val="FF0000"/>
+                </a:solidFill>
+              </a:rPr>
+              <a:t> </a:t>
+            </a:r>
+            <a:r>
+              <a:rPr kumimoji="1" lang="en-US" altLang="ja-JP" sz="2400" dirty="0">
+                <a:solidFill>
+                  <a:srgbClr val="FF0000"/>
+                </a:solidFill>
+              </a:rPr>
+              <a:t>0) { speed = 0; }</a:t>
+            </a:r>
+          </a:p>
+          <a:p>
+            <a:r>
+              <a:rPr kumimoji="1" lang="en-US" altLang="ja-JP" sz="2400" dirty="0"/>
+              <a:t>    </a:t>
+            </a:r>
+            <a:r>
+              <a:rPr kumimoji="1" lang="en-US" altLang="ja-JP" sz="2400" dirty="0" err="1"/>
+              <a:t>m_speed</a:t>
+            </a:r>
+            <a:r>
+              <a:rPr kumimoji="1" lang="en-US" altLang="ja-JP" sz="2400" dirty="0"/>
+              <a:t> = speed;</a:t>
+            </a:r>
+          </a:p>
+          <a:p>
+            <a:r>
+              <a:rPr kumimoji="1" lang="en-US" altLang="ja-JP" sz="2400" dirty="0"/>
+              <a:t>}</a:t>
+            </a:r>
+          </a:p>
+        </p:txBody>
+      </p:sp>
+    </p:spTree>
+    <p:extLst>
+      <p:ext uri="{BB962C8B-B14F-4D97-AF65-F5344CB8AC3E}">
+        <p14:creationId xmlns:p14="http://schemas.microsoft.com/office/powerpoint/2010/main" val="3136642139"/>
       </p:ext>
     </p:extLst>
   </p:cSld>
